--- a/Performance Measure/Noise/Presentations/20220725_Subgroup Meeting.pptx
+++ b/Performance Measure/Noise/Presentations/20220725_Subgroup Meeting.pptx
@@ -4,18 +4,24 @@
   <p:sldMasterIdLst>
     <p:sldMasterId id="2147483648" r:id="rId1"/>
   </p:sldMasterIdLst>
+  <p:notesMasterIdLst>
+    <p:notesMasterId r:id="rId16"/>
+  </p:notesMasterIdLst>
   <p:sldIdLst>
     <p:sldId id="256" r:id="rId2"/>
     <p:sldId id="257" r:id="rId3"/>
     <p:sldId id="258" r:id="rId4"/>
     <p:sldId id="259" r:id="rId5"/>
-    <p:sldId id="260" r:id="rId6"/>
-    <p:sldId id="261" r:id="rId7"/>
+    <p:sldId id="261" r:id="rId6"/>
+    <p:sldId id="260" r:id="rId7"/>
     <p:sldId id="262" r:id="rId8"/>
     <p:sldId id="263" r:id="rId9"/>
     <p:sldId id="264" r:id="rId10"/>
-    <p:sldId id="265" r:id="rId11"/>
-    <p:sldId id="266" r:id="rId12"/>
+    <p:sldId id="268" r:id="rId11"/>
+    <p:sldId id="269" r:id="rId12"/>
+    <p:sldId id="267" r:id="rId13"/>
+    <p:sldId id="265" r:id="rId14"/>
+    <p:sldId id="266" r:id="rId15"/>
   </p:sldIdLst>
   <p:sldSz cx="12192000" cy="6858000"/>
   <p:notesSz cx="6858000" cy="9144000"/>
@@ -114,7 +120,909 @@
       </a:defRPr>
     </a:lvl9pPr>
   </p:defaultTextStyle>
+  <p:extLst>
+    <p:ext uri="{EFAFB233-063F-42B5-8137-9DF3F51BA10A}">
+      <p15:sldGuideLst xmlns:p15="http://schemas.microsoft.com/office/powerpoint/2012/main"/>
+    </p:ext>
+  </p:extLst>
 </p:presentation>
+</file>
+
+<file path=ppt/authors.xml><?xml version="1.0" encoding="utf-8"?>
+<p188:authorLst xmlns:a="http://schemas.openxmlformats.org/drawingml/2006/main" xmlns:r="http://schemas.openxmlformats.org/officeDocument/2006/relationships" xmlns:p188="http://schemas.microsoft.com/office/powerpoint/2018/8/main">
+  <p188:author id="{34F52585-BFA2-2548-0476-D1C137EB3B72}" name="Bae, Henry Schweitzer" initials="BHS" userId="S::henrybae@college.harvard.edu::8aae1396-fc2c-4df7-9bd5-ce53399288e1" providerId="AD"/>
+</p188:authorLst>
+</file>
+
+<file path=ppt/comments/modernComment_101_A2A34E77.xml><?xml version="1.0" encoding="utf-8"?>
+<p188:cmLst xmlns:a="http://schemas.openxmlformats.org/drawingml/2006/main" xmlns:r="http://schemas.openxmlformats.org/officeDocument/2006/relationships" xmlns:p188="http://schemas.microsoft.com/office/powerpoint/2018/8/main">
+  <p188:cm id="{B082639E-9A14-6F4E-A40A-2EFBE321888D}" authorId="{34F52585-BFA2-2548-0476-D1C137EB3B72}" created="2022-07-26T04:44:52.831">
+    <pc:sldMkLst xmlns:pc="http://schemas.microsoft.com/office/powerpoint/2013/main/command">
+      <pc:docMk/>
+      <pc:sldMk cId="2728611447" sldId="257"/>
+    </pc:sldMkLst>
+    <p188:txBody>
+      <a:bodyPr/>
+      <a:lstStyle/>
+      <a:p>
+        <a:r>
+          <a:rPr lang="en-US"/>
+          <a:t>Baseline Noise Measurement Plot, 0-100kHz, Not Buffered
+</a:t>
+        </a:r>
+      </a:p>
+    </p188:txBody>
+  </p188:cm>
+</p188:cmLst>
+</file>
+
+<file path=ppt/comments/modernComment_102_D67AFD94.xml><?xml version="1.0" encoding="utf-8"?>
+<p188:cmLst xmlns:a="http://schemas.openxmlformats.org/drawingml/2006/main" xmlns:r="http://schemas.openxmlformats.org/officeDocument/2006/relationships" xmlns:p188="http://schemas.microsoft.com/office/powerpoint/2018/8/main">
+  <p188:cm id="{5C7D646D-26AF-9C4B-8DCB-EC473410ACB5}" authorId="{34F52585-BFA2-2548-0476-D1C137EB3B72}" created="2022-07-26T04:45:00.929">
+    <pc:sldMkLst xmlns:pc="http://schemas.microsoft.com/office/powerpoint/2013/main/command">
+      <pc:docMk/>
+      <pc:sldMk cId="3598384532" sldId="258"/>
+    </pc:sldMkLst>
+    <p188:txBody>
+      <a:bodyPr/>
+      <a:lstStyle/>
+      <a:p>
+        <a:r>
+          <a:rPr lang="en-US"/>
+          <a:t>Baseline Noise Measurement Plot, 0-195Hz, Not Buffered (Replace it with better one?)
+</a:t>
+        </a:r>
+      </a:p>
+    </p188:txBody>
+  </p188:cm>
+</p188:cmLst>
+</file>
+
+<file path=ppt/comments/modernComment_103_613455E.xml><?xml version="1.0" encoding="utf-8"?>
+<p188:cmLst xmlns:a="http://schemas.openxmlformats.org/drawingml/2006/main" xmlns:r="http://schemas.openxmlformats.org/officeDocument/2006/relationships" xmlns:p188="http://schemas.microsoft.com/office/powerpoint/2018/8/main">
+  <p188:cm id="{E669E8F4-A6A4-7943-B2FA-6D83CDC9772F}" authorId="{34F52585-BFA2-2548-0476-D1C137EB3B72}" created="2022-07-26T04:44:44.230">
+    <pc:sldMkLst xmlns:pc="http://schemas.microsoft.com/office/powerpoint/2013/main/command">
+      <pc:docMk/>
+      <pc:sldMk cId="101926238" sldId="259"/>
+    </pc:sldMkLst>
+    <p188:txBody>
+      <a:bodyPr/>
+      <a:lstStyle/>
+      <a:p>
+        <a:r>
+          <a:rPr lang="en-US"/>
+          <a:t>Purpose: To show that the Keithley is not great at 0-100kHz</a:t>
+        </a:r>
+      </a:p>
+    </p188:txBody>
+  </p188:cm>
+</p188:cmLst>
+</file>
+
+<file path=ppt/comments/modernComment_104_99623E6D.xml><?xml version="1.0" encoding="utf-8"?>
+<p188:cmLst xmlns:a="http://schemas.openxmlformats.org/drawingml/2006/main" xmlns:r="http://schemas.openxmlformats.org/officeDocument/2006/relationships" xmlns:p188="http://schemas.microsoft.com/office/powerpoint/2018/8/main">
+  <p188:cm id="{C5A3B0A6-A9D8-CB40-A2E5-F13468F27D50}" authorId="{34F52585-BFA2-2548-0476-D1C137EB3B72}" created="2022-07-26T04:43:55.838">
+    <pc:sldMkLst xmlns:pc="http://schemas.microsoft.com/office/powerpoint/2013/main/command">
+      <pc:docMk/>
+      <pc:sldMk cId="2573352557" sldId="260"/>
+    </pc:sldMkLst>
+    <p188:txBody>
+      <a:bodyPr/>
+      <a:lstStyle/>
+      <a:p>
+        <a:r>
+          <a:rPr lang="en-US"/>
+          <a:t>Purpose: To show that the Keithley is not great at 0-195Hz</a:t>
+        </a:r>
+      </a:p>
+    </p188:txBody>
+  </p188:cm>
+</p188:cmLst>
+</file>
+
+<file path=ppt/comments/modernComment_105_EEDDCA5E.xml><?xml version="1.0" encoding="utf-8"?>
+<p188:cmLst xmlns:a="http://schemas.openxmlformats.org/drawingml/2006/main" xmlns:r="http://schemas.openxmlformats.org/officeDocument/2006/relationships" xmlns:p188="http://schemas.microsoft.com/office/powerpoint/2018/8/main">
+  <p188:cm id="{73AB8A7C-3893-2A42-AFAA-3DF5C222B3F2}" authorId="{34F52585-BFA2-2548-0476-D1C137EB3B72}" created="2022-07-26T04:43:22.851">
+    <pc:sldMkLst xmlns:pc="http://schemas.microsoft.com/office/powerpoint/2013/main/command">
+      <pc:docMk/>
+      <pc:sldMk cId="4007512670" sldId="261"/>
+    </pc:sldMkLst>
+    <p188:txBody>
+      <a:bodyPr/>
+      <a:lstStyle/>
+      <a:p>
+        <a:r>
+          <a:rPr lang="en-US"/>
+          <a:t>Log plot of the last one to see it clearly (and not be too dramatic)</a:t>
+        </a:r>
+      </a:p>
+    </p188:txBody>
+  </p188:cm>
+</p188:cmLst>
+</file>
+
+<file path=ppt/comments/modernComment_106_D7AE4E9A.xml><?xml version="1.0" encoding="utf-8"?>
+<p188:cmLst xmlns:a="http://schemas.openxmlformats.org/drawingml/2006/main" xmlns:r="http://schemas.openxmlformats.org/officeDocument/2006/relationships" xmlns:p188="http://schemas.microsoft.com/office/powerpoint/2018/8/main">
+  <p188:cm id="{2BFDEDB9-6C27-764C-B96E-CBE75BA9B7A1}" authorId="{34F52585-BFA2-2548-0476-D1C137EB3B72}" created="2022-07-26T04:43:09.523">
+    <pc:sldMkLst xmlns:pc="http://schemas.microsoft.com/office/powerpoint/2013/main/command">
+      <pc:docMk/>
+      <pc:sldMk cId="3618524826" sldId="262"/>
+    </pc:sldMkLst>
+    <p188:replyLst>
+      <p188:reply id="{9495BB7C-7C7B-6A49-A47C-FD35477A0577}" authorId="{34F52585-BFA2-2548-0476-D1C137EB3B72}" created="2022-07-26T04:44:10.127">
+        <p188:txBody>
+          <a:bodyPr/>
+          <a:lstStyle/>
+          <a:p>
+            <a:r>
+              <a:rPr lang="en-US"/>
+              <a:t>Also to show the spikes at 60 Hz Multiples</a:t>
+            </a:r>
+          </a:p>
+        </p188:txBody>
+      </p188:reply>
+    </p188:replyLst>
+    <p188:txBody>
+      <a:bodyPr/>
+      <a:lstStyle/>
+      <a:p>
+        <a:r>
+          <a:rPr lang="en-US"/>
+          <a:t>Purpose: To show that the Keithley is not great, and to show all 3 clearly with a log plot</a:t>
+        </a:r>
+      </a:p>
+    </p188:txBody>
+  </p188:cm>
+</p188:cmLst>
+</file>
+
+<file path=ppt/comments/modernComment_107_68453B82.xml><?xml version="1.0" encoding="utf-8"?>
+<p188:cmLst xmlns:a="http://schemas.openxmlformats.org/drawingml/2006/main" xmlns:r="http://schemas.openxmlformats.org/officeDocument/2006/relationships" xmlns:p188="http://schemas.microsoft.com/office/powerpoint/2018/8/main">
+  <p188:cm id="{841A8CCB-13DE-CC48-B94F-2A499215510B}" authorId="{34F52585-BFA2-2548-0476-D1C137EB3B72}" created="2022-07-26T04:42:41.019">
+    <pc:sldMkLst xmlns:pc="http://schemas.microsoft.com/office/powerpoint/2013/main/command">
+      <pc:docMk/>
+      <pc:sldMk cId="1749367682" sldId="263"/>
+    </pc:sldMkLst>
+    <p188:txBody>
+      <a:bodyPr/>
+      <a:lstStyle/>
+      <a:p>
+        <a:r>
+          <a:rPr lang="en-US"/>
+          <a:t>Purpose: To compare Yoko and DAC from 0-100kHz</a:t>
+        </a:r>
+      </a:p>
+    </p188:txBody>
+  </p188:cm>
+</p188:cmLst>
+</file>
+
+<file path=ppt/comments/modernComment_108_6DD84F8F.xml><?xml version="1.0" encoding="utf-8"?>
+<p188:cmLst xmlns:a="http://schemas.openxmlformats.org/drawingml/2006/main" xmlns:r="http://schemas.openxmlformats.org/officeDocument/2006/relationships" xmlns:p188="http://schemas.microsoft.com/office/powerpoint/2018/8/main">
+  <p188:cm id="{6CF7DB52-4C66-F247-9345-E8CC029F7F4D}" authorId="{34F52585-BFA2-2548-0476-D1C137EB3B72}" created="2022-07-26T04:42:27.708">
+    <pc:sldMkLst xmlns:pc="http://schemas.microsoft.com/office/powerpoint/2013/main/command">
+      <pc:docMk/>
+      <pc:sldMk cId="1842892687" sldId="264"/>
+    </pc:sldMkLst>
+    <p188:txBody>
+      <a:bodyPr/>
+      <a:lstStyle/>
+      <a:p>
+        <a:r>
+          <a:rPr lang="en-US"/>
+          <a:t>Purpose: To compare Yoko and DAC from 0-195Hz</a:t>
+        </a:r>
+      </a:p>
+    </p188:txBody>
+  </p188:cm>
+</p188:cmLst>
+</file>
+
+<file path=ppt/comments/modernComment_109_B49F3D53.xml><?xml version="1.0" encoding="utf-8"?>
+<p188:cmLst xmlns:a="http://schemas.openxmlformats.org/drawingml/2006/main" xmlns:r="http://schemas.openxmlformats.org/officeDocument/2006/relationships" xmlns:p188="http://schemas.microsoft.com/office/powerpoint/2018/8/main">
+  <p188:cm id="{7A32889E-5F99-8E41-AE4C-1FB09950E9F9}" authorId="{34F52585-BFA2-2548-0476-D1C137EB3B72}" created="2022-07-26T04:41:56.172">
+    <pc:sldMkLst xmlns:pc="http://schemas.microsoft.com/office/powerpoint/2013/main/command">
+      <pc:docMk/>
+      <pc:sldMk cId="3030334803" sldId="265"/>
+    </pc:sldMkLst>
+    <p188:txBody>
+      <a:bodyPr/>
+      <a:lstStyle/>
+      <a:p>
+        <a:r>
+          <a:rPr lang="en-US"/>
+          <a:t>Purpose: To show that the average noise increases linearly for 0-100kHz</a:t>
+        </a:r>
+      </a:p>
+    </p188:txBody>
+  </p188:cm>
+</p188:cmLst>
+</file>
+
+<file path=ppt/comments/modernComment_10A_739FAA40.xml><?xml version="1.0" encoding="utf-8"?>
+<p188:cmLst xmlns:a="http://schemas.openxmlformats.org/drawingml/2006/main" xmlns:r="http://schemas.openxmlformats.org/officeDocument/2006/relationships" xmlns:p188="http://schemas.microsoft.com/office/powerpoint/2018/8/main">
+  <p188:cm id="{05647612-B75C-5541-8219-A6FE02BB14D6}" authorId="{34F52585-BFA2-2548-0476-D1C137EB3B72}" created="2022-07-26T04:42:08.264">
+    <pc:sldMkLst xmlns:pc="http://schemas.microsoft.com/office/powerpoint/2013/main/command">
+      <pc:docMk/>
+      <pc:sldMk cId="1939843648" sldId="266"/>
+    </pc:sldMkLst>
+    <p188:txBody>
+      <a:bodyPr/>
+      <a:lstStyle/>
+      <a:p>
+        <a:r>
+          <a:rPr lang="en-US"/>
+          <a:t>Purpose: To show that the average noise increases linearly for 0-195Hz</a:t>
+        </a:r>
+      </a:p>
+    </p188:txBody>
+  </p188:cm>
+</p188:cmLst>
+</file>
+
+<file path=ppt/comments/modernComment_10B_6768BE59.xml><?xml version="1.0" encoding="utf-8"?>
+<p188:cmLst xmlns:a="http://schemas.openxmlformats.org/drawingml/2006/main" xmlns:r="http://schemas.openxmlformats.org/officeDocument/2006/relationships" xmlns:p188="http://schemas.microsoft.com/office/powerpoint/2018/8/main">
+  <p188:cm id="{9423CEFE-5E2E-2745-89B1-8C13508CAC5B}" authorId="{34F52585-BFA2-2548-0476-D1C137EB3B72}" created="2022-07-26T04:41:30.400">
+    <pc:sldMkLst xmlns:pc="http://schemas.microsoft.com/office/powerpoint/2013/main/command">
+      <pc:docMk/>
+      <pc:sldMk cId="1734917721" sldId="267"/>
+    </pc:sldMkLst>
+    <p188:txBody>
+      <a:bodyPr/>
+      <a:lstStyle/>
+      <a:p>
+        <a:r>
+          <a:rPr lang="en-US"/>
+          <a:t>Purpose: to show that the peaks at specific frequencies go away with a unity gain op-amp (Buffered output)</a:t>
+        </a:r>
+      </a:p>
+    </p188:txBody>
+  </p188:cm>
+</p188:cmLst>
+</file>
+
+<file path=ppt/comments/modernComment_10C_467AB16C.xml><?xml version="1.0" encoding="utf-8"?>
+<p188:cmLst xmlns:a="http://schemas.openxmlformats.org/drawingml/2006/main" xmlns:r="http://schemas.openxmlformats.org/officeDocument/2006/relationships" xmlns:p188="http://schemas.microsoft.com/office/powerpoint/2018/8/main">
+  <p188:cm id="{014381D5-5984-784F-8ED4-2F52AE5990E2}" authorId="{34F52585-BFA2-2548-0476-D1C137EB3B72}" created="2022-07-26T04:40:52.992">
+    <pc:sldMkLst xmlns:pc="http://schemas.microsoft.com/office/powerpoint/2013/main/command">
+      <pc:docMk/>
+      <pc:sldMk cId="1182445932" sldId="268"/>
+    </pc:sldMkLst>
+    <p188:txBody>
+      <a:bodyPr/>
+      <a:lstStyle/>
+      <a:p>
+        <a:r>
+          <a:rPr lang="en-US"/>
+          <a:t>Purpose: To show the increasing noise as |V| increases
+</a:t>
+        </a:r>
+      </a:p>
+    </p188:txBody>
+  </p188:cm>
+</p188:cmLst>
+</file>
+
+<file path=ppt/comments/modernComment_10D_279A0731.xml><?xml version="1.0" encoding="utf-8"?>
+<p188:cmLst xmlns:a="http://schemas.openxmlformats.org/drawingml/2006/main" xmlns:r="http://schemas.openxmlformats.org/officeDocument/2006/relationships" xmlns:p188="http://schemas.microsoft.com/office/powerpoint/2018/8/main">
+  <p188:cm id="{ED780A99-FB4C-6B48-A398-45DABD3496A5}" authorId="{34F52585-BFA2-2548-0476-D1C137EB3B72}" created="2022-07-26T04:41:06.699">
+    <pc:sldMkLst xmlns:pc="http://schemas.microsoft.com/office/powerpoint/2013/main/command">
+      <pc:docMk/>
+      <pc:sldMk cId="664405809" sldId="269"/>
+    </pc:sldMkLst>
+    <p188:txBody>
+      <a:bodyPr/>
+      <a:lstStyle/>
+      <a:p>
+        <a:r>
+          <a:rPr lang="en-US"/>
+          <a:t>Purpose: to show that these peaks are in specific frequencies</a:t>
+        </a:r>
+      </a:p>
+    </p188:txBody>
+  </p188:cm>
+</p188:cmLst>
+</file>
+
+<file path=ppt/notesMasters/notesMaster1.xml><?xml version="1.0" encoding="utf-8"?>
+<p:notesMaster xmlns:a="http://schemas.openxmlformats.org/drawingml/2006/main" xmlns:r="http://schemas.openxmlformats.org/officeDocument/2006/relationships" xmlns:p="http://schemas.openxmlformats.org/presentationml/2006/main">
+  <p:cSld>
+    <p:bg>
+      <p:bgRef idx="1001">
+        <a:schemeClr val="bg1"/>
+      </p:bgRef>
+    </p:bg>
+    <p:spTree>
+      <p:nvGrpSpPr>
+        <p:cNvPr id="1" name=""/>
+        <p:cNvGrpSpPr/>
+        <p:nvPr/>
+      </p:nvGrpSpPr>
+      <p:grpSpPr>
+        <a:xfrm>
+          <a:off x="0" y="0"/>
+          <a:ext cx="0" cy="0"/>
+          <a:chOff x="0" y="0"/>
+          <a:chExt cx="0" cy="0"/>
+        </a:xfrm>
+      </p:grpSpPr>
+      <p:sp>
+        <p:nvSpPr>
+          <p:cNvPr id="2" name="Header Placeholder 1"/>
+          <p:cNvSpPr>
+            <a:spLocks noGrp="1"/>
+          </p:cNvSpPr>
+          <p:nvPr>
+            <p:ph type="hdr" sz="quarter"/>
+          </p:nvPr>
+        </p:nvSpPr>
+        <p:spPr>
+          <a:xfrm>
+            <a:off x="0" y="0"/>
+            <a:ext cx="2971800" cy="458788"/>
+          </a:xfrm>
+          <a:prstGeom prst="rect">
+            <a:avLst/>
+          </a:prstGeom>
+        </p:spPr>
+        <p:txBody>
+          <a:bodyPr vert="horz" lIns="91440" tIns="45720" rIns="91440" bIns="45720" rtlCol="0"/>
+          <a:lstStyle>
+            <a:lvl1pPr algn="l">
+              <a:defRPr sz="1200"/>
+            </a:lvl1pPr>
+          </a:lstStyle>
+          <a:p>
+            <a:endParaRPr lang="en-US"/>
+          </a:p>
+        </p:txBody>
+      </p:sp>
+      <p:sp>
+        <p:nvSpPr>
+          <p:cNvPr id="3" name="Date Placeholder 2"/>
+          <p:cNvSpPr>
+            <a:spLocks noGrp="1"/>
+          </p:cNvSpPr>
+          <p:nvPr>
+            <p:ph type="dt" idx="1"/>
+          </p:nvPr>
+        </p:nvSpPr>
+        <p:spPr>
+          <a:xfrm>
+            <a:off x="3884613" y="0"/>
+            <a:ext cx="2971800" cy="458788"/>
+          </a:xfrm>
+          <a:prstGeom prst="rect">
+            <a:avLst/>
+          </a:prstGeom>
+        </p:spPr>
+        <p:txBody>
+          <a:bodyPr vert="horz" lIns="91440" tIns="45720" rIns="91440" bIns="45720" rtlCol="0"/>
+          <a:lstStyle>
+            <a:lvl1pPr algn="r">
+              <a:defRPr sz="1200"/>
+            </a:lvl1pPr>
+          </a:lstStyle>
+          <a:p>
+            <a:fld id="{22CDD584-1A2D-2C47-B963-7113CB684ECB}" type="datetimeFigureOut">
+              <a:rPr lang="en-US" smtClean="0"/>
+              <a:t>7/26/22</a:t>
+            </a:fld>
+            <a:endParaRPr lang="en-US"/>
+          </a:p>
+        </p:txBody>
+      </p:sp>
+      <p:sp>
+        <p:nvSpPr>
+          <p:cNvPr id="4" name="Slide Image Placeholder 3"/>
+          <p:cNvSpPr>
+            <a:spLocks noGrp="1" noRot="1" noChangeAspect="1"/>
+          </p:cNvSpPr>
+          <p:nvPr>
+            <p:ph type="sldImg" idx="2"/>
+          </p:nvPr>
+        </p:nvSpPr>
+        <p:spPr>
+          <a:xfrm>
+            <a:off x="685800" y="1143000"/>
+            <a:ext cx="5486400" cy="3086100"/>
+          </a:xfrm>
+          <a:prstGeom prst="rect">
+            <a:avLst/>
+          </a:prstGeom>
+          <a:noFill/>
+          <a:ln w="12700">
+            <a:solidFill>
+              <a:prstClr val="black"/>
+            </a:solidFill>
+          </a:ln>
+        </p:spPr>
+        <p:txBody>
+          <a:bodyPr vert="horz" lIns="91440" tIns="45720" rIns="91440" bIns="45720" rtlCol="0" anchor="ctr"/>
+          <a:lstStyle/>
+          <a:p>
+            <a:endParaRPr lang="en-US"/>
+          </a:p>
+        </p:txBody>
+      </p:sp>
+      <p:sp>
+        <p:nvSpPr>
+          <p:cNvPr id="5" name="Notes Placeholder 4"/>
+          <p:cNvSpPr>
+            <a:spLocks noGrp="1"/>
+          </p:cNvSpPr>
+          <p:nvPr>
+            <p:ph type="body" sz="quarter" idx="3"/>
+          </p:nvPr>
+        </p:nvSpPr>
+        <p:spPr>
+          <a:xfrm>
+            <a:off x="685800" y="4400550"/>
+            <a:ext cx="5486400" cy="3600450"/>
+          </a:xfrm>
+          <a:prstGeom prst="rect">
+            <a:avLst/>
+          </a:prstGeom>
+        </p:spPr>
+        <p:txBody>
+          <a:bodyPr vert="horz" lIns="91440" tIns="45720" rIns="91440" bIns="45720" rtlCol="0"/>
+          <a:lstStyle/>
+          <a:p>
+            <a:pPr lvl="0"/>
+            <a:r>
+              <a:rPr lang="en-US"/>
+              <a:t>Click to edit Master text styles</a:t>
+            </a:r>
+          </a:p>
+          <a:p>
+            <a:pPr lvl="1"/>
+            <a:r>
+              <a:rPr lang="en-US"/>
+              <a:t>Second level</a:t>
+            </a:r>
+          </a:p>
+          <a:p>
+            <a:pPr lvl="2"/>
+            <a:r>
+              <a:rPr lang="en-US"/>
+              <a:t>Third level</a:t>
+            </a:r>
+          </a:p>
+          <a:p>
+            <a:pPr lvl="3"/>
+            <a:r>
+              <a:rPr lang="en-US"/>
+              <a:t>Fourth level</a:t>
+            </a:r>
+          </a:p>
+          <a:p>
+            <a:pPr lvl="4"/>
+            <a:r>
+              <a:rPr lang="en-US"/>
+              <a:t>Fifth level</a:t>
+            </a:r>
+          </a:p>
+        </p:txBody>
+      </p:sp>
+      <p:sp>
+        <p:nvSpPr>
+          <p:cNvPr id="6" name="Footer Placeholder 5"/>
+          <p:cNvSpPr>
+            <a:spLocks noGrp="1"/>
+          </p:cNvSpPr>
+          <p:nvPr>
+            <p:ph type="ftr" sz="quarter" idx="4"/>
+          </p:nvPr>
+        </p:nvSpPr>
+        <p:spPr>
+          <a:xfrm>
+            <a:off x="0" y="8685213"/>
+            <a:ext cx="2971800" cy="458787"/>
+          </a:xfrm>
+          <a:prstGeom prst="rect">
+            <a:avLst/>
+          </a:prstGeom>
+        </p:spPr>
+        <p:txBody>
+          <a:bodyPr vert="horz" lIns="91440" tIns="45720" rIns="91440" bIns="45720" rtlCol="0" anchor="b"/>
+          <a:lstStyle>
+            <a:lvl1pPr algn="l">
+              <a:defRPr sz="1200"/>
+            </a:lvl1pPr>
+          </a:lstStyle>
+          <a:p>
+            <a:endParaRPr lang="en-US"/>
+          </a:p>
+        </p:txBody>
+      </p:sp>
+      <p:sp>
+        <p:nvSpPr>
+          <p:cNvPr id="7" name="Slide Number Placeholder 6"/>
+          <p:cNvSpPr>
+            <a:spLocks noGrp="1"/>
+          </p:cNvSpPr>
+          <p:nvPr>
+            <p:ph type="sldNum" sz="quarter" idx="5"/>
+          </p:nvPr>
+        </p:nvSpPr>
+        <p:spPr>
+          <a:xfrm>
+            <a:off x="3884613" y="8685213"/>
+            <a:ext cx="2971800" cy="458787"/>
+          </a:xfrm>
+          <a:prstGeom prst="rect">
+            <a:avLst/>
+          </a:prstGeom>
+        </p:spPr>
+        <p:txBody>
+          <a:bodyPr vert="horz" lIns="91440" tIns="45720" rIns="91440" bIns="45720" rtlCol="0" anchor="b"/>
+          <a:lstStyle>
+            <a:lvl1pPr algn="r">
+              <a:defRPr sz="1200"/>
+            </a:lvl1pPr>
+          </a:lstStyle>
+          <a:p>
+            <a:fld id="{45DD240D-0821-1E42-B610-C29E3F13B503}" type="slidenum">
+              <a:rPr lang="en-US" smtClean="0"/>
+              <a:t>‹#›</a:t>
+            </a:fld>
+            <a:endParaRPr lang="en-US"/>
+          </a:p>
+        </p:txBody>
+      </p:sp>
+    </p:spTree>
+    <p:extLst>
+      <p:ext uri="{BB962C8B-B14F-4D97-AF65-F5344CB8AC3E}">
+        <p14:creationId xmlns:p14="http://schemas.microsoft.com/office/powerpoint/2010/main" val="4110180748"/>
+      </p:ext>
+    </p:extLst>
+  </p:cSld>
+  <p:clrMap bg1="lt1" tx1="dk1" bg2="lt2" tx2="dk2" accent1="accent1" accent2="accent2" accent3="accent3" accent4="accent4" accent5="accent5" accent6="accent6" hlink="hlink" folHlink="folHlink"/>
+  <p:notesStyle>
+    <a:lvl1pPr marL="0" algn="l" defTabSz="914400" rtl="0" eaLnBrk="1" latinLnBrk="0" hangingPunct="1">
+      <a:defRPr sz="1200" kern="1200">
+        <a:solidFill>
+          <a:schemeClr val="tx1"/>
+        </a:solidFill>
+        <a:latin typeface="+mn-lt"/>
+        <a:ea typeface="+mn-ea"/>
+        <a:cs typeface="+mn-cs"/>
+      </a:defRPr>
+    </a:lvl1pPr>
+    <a:lvl2pPr marL="457200" algn="l" defTabSz="914400" rtl="0" eaLnBrk="1" latinLnBrk="0" hangingPunct="1">
+      <a:defRPr sz="1200" kern="1200">
+        <a:solidFill>
+          <a:schemeClr val="tx1"/>
+        </a:solidFill>
+        <a:latin typeface="+mn-lt"/>
+        <a:ea typeface="+mn-ea"/>
+        <a:cs typeface="+mn-cs"/>
+      </a:defRPr>
+    </a:lvl2pPr>
+    <a:lvl3pPr marL="914400" algn="l" defTabSz="914400" rtl="0" eaLnBrk="1" latinLnBrk="0" hangingPunct="1">
+      <a:defRPr sz="1200" kern="1200">
+        <a:solidFill>
+          <a:schemeClr val="tx1"/>
+        </a:solidFill>
+        <a:latin typeface="+mn-lt"/>
+        <a:ea typeface="+mn-ea"/>
+        <a:cs typeface="+mn-cs"/>
+      </a:defRPr>
+    </a:lvl3pPr>
+    <a:lvl4pPr marL="1371600" algn="l" defTabSz="914400" rtl="0" eaLnBrk="1" latinLnBrk="0" hangingPunct="1">
+      <a:defRPr sz="1200" kern="1200">
+        <a:solidFill>
+          <a:schemeClr val="tx1"/>
+        </a:solidFill>
+        <a:latin typeface="+mn-lt"/>
+        <a:ea typeface="+mn-ea"/>
+        <a:cs typeface="+mn-cs"/>
+      </a:defRPr>
+    </a:lvl4pPr>
+    <a:lvl5pPr marL="1828800" algn="l" defTabSz="914400" rtl="0" eaLnBrk="1" latinLnBrk="0" hangingPunct="1">
+      <a:defRPr sz="1200" kern="1200">
+        <a:solidFill>
+          <a:schemeClr val="tx1"/>
+        </a:solidFill>
+        <a:latin typeface="+mn-lt"/>
+        <a:ea typeface="+mn-ea"/>
+        <a:cs typeface="+mn-cs"/>
+      </a:defRPr>
+    </a:lvl5pPr>
+    <a:lvl6pPr marL="2286000" algn="l" defTabSz="914400" rtl="0" eaLnBrk="1" latinLnBrk="0" hangingPunct="1">
+      <a:defRPr sz="1200" kern="1200">
+        <a:solidFill>
+          <a:schemeClr val="tx1"/>
+        </a:solidFill>
+        <a:latin typeface="+mn-lt"/>
+        <a:ea typeface="+mn-ea"/>
+        <a:cs typeface="+mn-cs"/>
+      </a:defRPr>
+    </a:lvl6pPr>
+    <a:lvl7pPr marL="2743200" algn="l" defTabSz="914400" rtl="0" eaLnBrk="1" latinLnBrk="0" hangingPunct="1">
+      <a:defRPr sz="1200" kern="1200">
+        <a:solidFill>
+          <a:schemeClr val="tx1"/>
+        </a:solidFill>
+        <a:latin typeface="+mn-lt"/>
+        <a:ea typeface="+mn-ea"/>
+        <a:cs typeface="+mn-cs"/>
+      </a:defRPr>
+    </a:lvl7pPr>
+    <a:lvl8pPr marL="3200400" algn="l" defTabSz="914400" rtl="0" eaLnBrk="1" latinLnBrk="0" hangingPunct="1">
+      <a:defRPr sz="1200" kern="1200">
+        <a:solidFill>
+          <a:schemeClr val="tx1"/>
+        </a:solidFill>
+        <a:latin typeface="+mn-lt"/>
+        <a:ea typeface="+mn-ea"/>
+        <a:cs typeface="+mn-cs"/>
+      </a:defRPr>
+    </a:lvl8pPr>
+    <a:lvl9pPr marL="3657600" algn="l" defTabSz="914400" rtl="0" eaLnBrk="1" latinLnBrk="0" hangingPunct="1">
+      <a:defRPr sz="1200" kern="1200">
+        <a:solidFill>
+          <a:schemeClr val="tx1"/>
+        </a:solidFill>
+        <a:latin typeface="+mn-lt"/>
+        <a:ea typeface="+mn-ea"/>
+        <a:cs typeface="+mn-cs"/>
+      </a:defRPr>
+    </a:lvl9pPr>
+  </p:notesStyle>
+</p:notesMaster>
+</file>
+
+<file path=ppt/notesSlides/notesSlide1.xml><?xml version="1.0" encoding="utf-8"?>
+<p:notes xmlns:a="http://schemas.openxmlformats.org/drawingml/2006/main" xmlns:r="http://schemas.openxmlformats.org/officeDocument/2006/relationships" xmlns:p="http://schemas.openxmlformats.org/presentationml/2006/main">
+  <p:cSld>
+    <p:spTree>
+      <p:nvGrpSpPr>
+        <p:cNvPr id="1" name=""/>
+        <p:cNvGrpSpPr/>
+        <p:nvPr/>
+      </p:nvGrpSpPr>
+      <p:grpSpPr>
+        <a:xfrm>
+          <a:off x="0" y="0"/>
+          <a:ext cx="0" cy="0"/>
+          <a:chOff x="0" y="0"/>
+          <a:chExt cx="0" cy="0"/>
+        </a:xfrm>
+      </p:grpSpPr>
+      <p:sp>
+        <p:nvSpPr>
+          <p:cNvPr id="2" name="Slide Image Placeholder 1"/>
+          <p:cNvSpPr>
+            <a:spLocks noGrp="1" noRot="1" noChangeAspect="1"/>
+          </p:cNvSpPr>
+          <p:nvPr>
+            <p:ph type="sldImg"/>
+          </p:nvPr>
+        </p:nvSpPr>
+        <p:spPr/>
+      </p:sp>
+      <p:sp>
+        <p:nvSpPr>
+          <p:cNvPr id="3" name="Notes Placeholder 2"/>
+          <p:cNvSpPr>
+            <a:spLocks noGrp="1"/>
+          </p:cNvSpPr>
+          <p:nvPr>
+            <p:ph type="body" idx="1"/>
+          </p:nvPr>
+        </p:nvSpPr>
+        <p:spPr/>
+        <p:txBody>
+          <a:bodyPr/>
+          <a:lstStyle/>
+          <a:p>
+            <a:endParaRPr lang="en-US" dirty="0"/>
+          </a:p>
+        </p:txBody>
+      </p:sp>
+      <p:sp>
+        <p:nvSpPr>
+          <p:cNvPr id="4" name="Slide Number Placeholder 3"/>
+          <p:cNvSpPr>
+            <a:spLocks noGrp="1"/>
+          </p:cNvSpPr>
+          <p:nvPr>
+            <p:ph type="sldNum" sz="quarter" idx="5"/>
+          </p:nvPr>
+        </p:nvSpPr>
+        <p:spPr/>
+        <p:txBody>
+          <a:bodyPr/>
+          <a:lstStyle/>
+          <a:p>
+            <a:fld id="{45DD240D-0821-1E42-B610-C29E3F13B503}" type="slidenum">
+              <a:rPr lang="en-US" smtClean="0"/>
+              <a:t>2</a:t>
+            </a:fld>
+            <a:endParaRPr lang="en-US"/>
+          </a:p>
+        </p:txBody>
+      </p:sp>
+    </p:spTree>
+    <p:extLst>
+      <p:ext uri="{BB962C8B-B14F-4D97-AF65-F5344CB8AC3E}">
+        <p14:creationId xmlns:p14="http://schemas.microsoft.com/office/powerpoint/2010/main" val="1220691672"/>
+      </p:ext>
+    </p:extLst>
+  </p:cSld>
+  <p:clrMapOvr>
+    <a:masterClrMapping/>
+  </p:clrMapOvr>
+</p:notes>
+</file>
+
+<file path=ppt/notesSlides/notesSlide2.xml><?xml version="1.0" encoding="utf-8"?>
+<p:notes xmlns:a="http://schemas.openxmlformats.org/drawingml/2006/main" xmlns:r="http://schemas.openxmlformats.org/officeDocument/2006/relationships" xmlns:p="http://schemas.openxmlformats.org/presentationml/2006/main">
+  <p:cSld>
+    <p:spTree>
+      <p:nvGrpSpPr>
+        <p:cNvPr id="1" name=""/>
+        <p:cNvGrpSpPr/>
+        <p:nvPr/>
+      </p:nvGrpSpPr>
+      <p:grpSpPr>
+        <a:xfrm>
+          <a:off x="0" y="0"/>
+          <a:ext cx="0" cy="0"/>
+          <a:chOff x="0" y="0"/>
+          <a:chExt cx="0" cy="0"/>
+        </a:xfrm>
+      </p:grpSpPr>
+      <p:sp>
+        <p:nvSpPr>
+          <p:cNvPr id="2" name="Slide Image Placeholder 1"/>
+          <p:cNvSpPr>
+            <a:spLocks noGrp="1" noRot="1" noChangeAspect="1"/>
+          </p:cNvSpPr>
+          <p:nvPr>
+            <p:ph type="sldImg"/>
+          </p:nvPr>
+        </p:nvSpPr>
+        <p:spPr/>
+      </p:sp>
+      <p:sp>
+        <p:nvSpPr>
+          <p:cNvPr id="3" name="Notes Placeholder 2"/>
+          <p:cNvSpPr>
+            <a:spLocks noGrp="1"/>
+          </p:cNvSpPr>
+          <p:nvPr>
+            <p:ph type="body" idx="1"/>
+          </p:nvPr>
+        </p:nvSpPr>
+        <p:spPr/>
+        <p:txBody>
+          <a:bodyPr/>
+          <a:lstStyle/>
+          <a:p>
+            <a:endParaRPr lang="en-US" dirty="0"/>
+          </a:p>
+        </p:txBody>
+      </p:sp>
+      <p:sp>
+        <p:nvSpPr>
+          <p:cNvPr id="4" name="Slide Number Placeholder 3"/>
+          <p:cNvSpPr>
+            <a:spLocks noGrp="1"/>
+          </p:cNvSpPr>
+          <p:nvPr>
+            <p:ph type="sldNum" sz="quarter" idx="5"/>
+          </p:nvPr>
+        </p:nvSpPr>
+        <p:spPr/>
+        <p:txBody>
+          <a:bodyPr/>
+          <a:lstStyle/>
+          <a:p>
+            <a:fld id="{45DD240D-0821-1E42-B610-C29E3F13B503}" type="slidenum">
+              <a:rPr lang="en-US" smtClean="0"/>
+              <a:t>3</a:t>
+            </a:fld>
+            <a:endParaRPr lang="en-US"/>
+          </a:p>
+        </p:txBody>
+      </p:sp>
+    </p:spTree>
+    <p:extLst>
+      <p:ext uri="{BB962C8B-B14F-4D97-AF65-F5344CB8AC3E}">
+        <p14:creationId xmlns:p14="http://schemas.microsoft.com/office/powerpoint/2010/main" val="4059837616"/>
+      </p:ext>
+    </p:extLst>
+  </p:cSld>
+  <p:clrMapOvr>
+    <a:masterClrMapping/>
+  </p:clrMapOvr>
+</p:notes>
+</file>
+
+<file path=ppt/notesSlides/notesSlide3.xml><?xml version="1.0" encoding="utf-8"?>
+<p:notes xmlns:a="http://schemas.openxmlformats.org/drawingml/2006/main" xmlns:r="http://schemas.openxmlformats.org/officeDocument/2006/relationships" xmlns:p="http://schemas.openxmlformats.org/presentationml/2006/main">
+  <p:cSld>
+    <p:spTree>
+      <p:nvGrpSpPr>
+        <p:cNvPr id="1" name=""/>
+        <p:cNvGrpSpPr/>
+        <p:nvPr/>
+      </p:nvGrpSpPr>
+      <p:grpSpPr>
+        <a:xfrm>
+          <a:off x="0" y="0"/>
+          <a:ext cx="0" cy="0"/>
+          <a:chOff x="0" y="0"/>
+          <a:chExt cx="0" cy="0"/>
+        </a:xfrm>
+      </p:grpSpPr>
+      <p:sp>
+        <p:nvSpPr>
+          <p:cNvPr id="2" name="Slide Image Placeholder 1"/>
+          <p:cNvSpPr>
+            <a:spLocks noGrp="1" noRot="1" noChangeAspect="1"/>
+          </p:cNvSpPr>
+          <p:nvPr>
+            <p:ph type="sldImg"/>
+          </p:nvPr>
+        </p:nvSpPr>
+        <p:spPr/>
+      </p:sp>
+      <p:sp>
+        <p:nvSpPr>
+          <p:cNvPr id="3" name="Notes Placeholder 2"/>
+          <p:cNvSpPr>
+            <a:spLocks noGrp="1"/>
+          </p:cNvSpPr>
+          <p:nvPr>
+            <p:ph type="body" idx="1"/>
+          </p:nvPr>
+        </p:nvSpPr>
+        <p:spPr/>
+        <p:txBody>
+          <a:bodyPr/>
+          <a:lstStyle/>
+          <a:p>
+            <a:endParaRPr lang="en-US" dirty="0"/>
+          </a:p>
+        </p:txBody>
+      </p:sp>
+      <p:sp>
+        <p:nvSpPr>
+          <p:cNvPr id="4" name="Slide Number Placeholder 3"/>
+          <p:cNvSpPr>
+            <a:spLocks noGrp="1"/>
+          </p:cNvSpPr>
+          <p:nvPr>
+            <p:ph type="sldNum" sz="quarter" idx="5"/>
+          </p:nvPr>
+        </p:nvSpPr>
+        <p:spPr/>
+        <p:txBody>
+          <a:bodyPr/>
+          <a:lstStyle/>
+          <a:p>
+            <a:fld id="{45DD240D-0821-1E42-B610-C29E3F13B503}" type="slidenum">
+              <a:rPr lang="en-US" smtClean="0"/>
+              <a:t>10</a:t>
+            </a:fld>
+            <a:endParaRPr lang="en-US"/>
+          </a:p>
+        </p:txBody>
+      </p:sp>
+    </p:spTree>
+    <p:extLst>
+      <p:ext uri="{BB962C8B-B14F-4D97-AF65-F5344CB8AC3E}">
+        <p14:creationId xmlns:p14="http://schemas.microsoft.com/office/powerpoint/2010/main" val="3089463294"/>
+      </p:ext>
+    </p:extLst>
+  </p:cSld>
+  <p:clrMapOvr>
+    <a:masterClrMapping/>
+  </p:clrMapOvr>
+</p:notes>
 </file>
 
 <file path=ppt/slideLayouts/slideLayout1.xml><?xml version="1.0" encoding="utf-8"?>
@@ -264,7 +1172,7 @@
           <a:p>
             <a:fld id="{7A810BC3-F789-4159-984E-64DF68683882}" type="datetimeFigureOut">
               <a:rPr lang="en-US" smtClean="0"/>
-              <a:t>7/21/2022</a:t>
+              <a:t>7/26/22</a:t>
             </a:fld>
             <a:endParaRPr lang="en-US"/>
           </a:p>
@@ -462,7 +1370,7 @@
           <a:p>
             <a:fld id="{7A810BC3-F789-4159-984E-64DF68683882}" type="datetimeFigureOut">
               <a:rPr lang="en-US" smtClean="0"/>
-              <a:t>7/21/2022</a:t>
+              <a:t>7/26/22</a:t>
             </a:fld>
             <a:endParaRPr lang="en-US"/>
           </a:p>
@@ -670,7 +1578,7 @@
           <a:p>
             <a:fld id="{7A810BC3-F789-4159-984E-64DF68683882}" type="datetimeFigureOut">
               <a:rPr lang="en-US" smtClean="0"/>
-              <a:t>7/21/2022</a:t>
+              <a:t>7/26/22</a:t>
             </a:fld>
             <a:endParaRPr lang="en-US"/>
           </a:p>
@@ -868,7 +1776,7 @@
           <a:p>
             <a:fld id="{7A810BC3-F789-4159-984E-64DF68683882}" type="datetimeFigureOut">
               <a:rPr lang="en-US" smtClean="0"/>
-              <a:t>7/21/2022</a:t>
+              <a:t>7/26/22</a:t>
             </a:fld>
             <a:endParaRPr lang="en-US"/>
           </a:p>
@@ -1143,7 +2051,7 @@
           <a:p>
             <a:fld id="{7A810BC3-F789-4159-984E-64DF68683882}" type="datetimeFigureOut">
               <a:rPr lang="en-US" smtClean="0"/>
-              <a:t>7/21/2022</a:t>
+              <a:t>7/26/22</a:t>
             </a:fld>
             <a:endParaRPr lang="en-US"/>
           </a:p>
@@ -1408,7 +2316,7 @@
           <a:p>
             <a:fld id="{7A810BC3-F789-4159-984E-64DF68683882}" type="datetimeFigureOut">
               <a:rPr lang="en-US" smtClean="0"/>
-              <a:t>7/21/2022</a:t>
+              <a:t>7/26/22</a:t>
             </a:fld>
             <a:endParaRPr lang="en-US"/>
           </a:p>
@@ -1820,7 +2728,7 @@
           <a:p>
             <a:fld id="{7A810BC3-F789-4159-984E-64DF68683882}" type="datetimeFigureOut">
               <a:rPr lang="en-US" smtClean="0"/>
-              <a:t>7/21/2022</a:t>
+              <a:t>7/26/22</a:t>
             </a:fld>
             <a:endParaRPr lang="en-US"/>
           </a:p>
@@ -1961,7 +2869,7 @@
           <a:p>
             <a:fld id="{7A810BC3-F789-4159-984E-64DF68683882}" type="datetimeFigureOut">
               <a:rPr lang="en-US" smtClean="0"/>
-              <a:t>7/21/2022</a:t>
+              <a:t>7/26/22</a:t>
             </a:fld>
             <a:endParaRPr lang="en-US"/>
           </a:p>
@@ -2074,7 +2982,7 @@
           <a:p>
             <a:fld id="{7A810BC3-F789-4159-984E-64DF68683882}" type="datetimeFigureOut">
               <a:rPr lang="en-US" smtClean="0"/>
-              <a:t>7/21/2022</a:t>
+              <a:t>7/26/22</a:t>
             </a:fld>
             <a:endParaRPr lang="en-US"/>
           </a:p>
@@ -2385,7 +3293,7 @@
           <a:p>
             <a:fld id="{7A810BC3-F789-4159-984E-64DF68683882}" type="datetimeFigureOut">
               <a:rPr lang="en-US" smtClean="0"/>
-              <a:t>7/21/2022</a:t>
+              <a:t>7/26/22</a:t>
             </a:fld>
             <a:endParaRPr lang="en-US"/>
           </a:p>
@@ -2673,7 +3581,7 @@
           <a:p>
             <a:fld id="{7A810BC3-F789-4159-984E-64DF68683882}" type="datetimeFigureOut">
               <a:rPr lang="en-US" smtClean="0"/>
-              <a:t>7/21/2022</a:t>
+              <a:t>7/26/22</a:t>
             </a:fld>
             <a:endParaRPr lang="en-US"/>
           </a:p>
@@ -2914,7 +3822,7 @@
           <a:p>
             <a:fld id="{7A810BC3-F789-4159-984E-64DF68683882}" type="datetimeFigureOut">
               <a:rPr lang="en-US" smtClean="0"/>
-              <a:t>7/21/2022</a:t>
+              <a:t>7/26/22</a:t>
             </a:fld>
             <a:endParaRPr lang="en-US"/>
           </a:p>
@@ -3380,7 +4288,7 @@
           <a:bodyPr/>
           <a:lstStyle/>
           <a:p>
-            <a:endParaRPr lang="en-US"/>
+            <a:endParaRPr lang="en-US" dirty="0"/>
           </a:p>
         </p:txBody>
       </p:sp>
@@ -3416,10 +4324,10 @@
       </p:grpSpPr>
       <p:pic>
         <p:nvPicPr>
-          <p:cNvPr id="5" name="Picture 4" descr="Chart, line chart&#10;&#10;Description automatically generated">
-            <a:extLst>
-              <a:ext uri="{FF2B5EF4-FFF2-40B4-BE49-F238E27FC236}">
-                <a16:creationId xmlns:a16="http://schemas.microsoft.com/office/drawing/2014/main" id="{AA5D3F80-461E-3EFA-54F3-A96EF8E7B034}"/>
+          <p:cNvPr id="3" name="Picture 2" descr="A picture containing diagram&#10;&#10;Description automatically generated">
+            <a:extLst>
+              <a:ext uri="{FF2B5EF4-FFF2-40B4-BE49-F238E27FC236}">
+                <a16:creationId xmlns:a16="http://schemas.microsoft.com/office/drawing/2014/main" id="{4FFC3F93-2923-C978-86CC-8996B92C2768}"/>
               </a:ext>
             </a:extLst>
           </p:cNvPr>
@@ -3429,7 +4337,220 @@
           <p:nvPr/>
         </p:nvPicPr>
         <p:blipFill>
-          <a:blip r:embed="rId2">
+          <a:blip r:embed="rId4">
+            <a:extLst>
+              <a:ext uri="{28A0092B-C50C-407E-A947-70E740481C1C}">
+                <a14:useLocalDpi xmlns:a14="http://schemas.microsoft.com/office/drawing/2010/main" val="0"/>
+              </a:ext>
+            </a:extLst>
+          </a:blip>
+          <a:stretch>
+            <a:fillRect/>
+          </a:stretch>
+        </p:blipFill>
+        <p:spPr>
+          <a:xfrm>
+            <a:off x="0" y="387639"/>
+            <a:ext cx="12192000" cy="6064250"/>
+          </a:xfrm>
+          <a:prstGeom prst="rect">
+            <a:avLst/>
+          </a:prstGeom>
+        </p:spPr>
+      </p:pic>
+    </p:spTree>
+    <p:extLst>
+      <p:ext uri="{BB962C8B-B14F-4D97-AF65-F5344CB8AC3E}">
+        <p14:creationId xmlns:p14="http://schemas.microsoft.com/office/powerpoint/2010/main" val="1182445932"/>
+      </p:ext>
+    </p:extLst>
+  </p:cSld>
+  <p:clrMapOvr>
+    <a:masterClrMapping/>
+  </p:clrMapOvr>
+  <p:extLst>
+    <p:ext uri="{6950BFC3-D8DA-4A85-94F7-54DA5524770B}">
+      <p188:commentRel xmlns:p188="http://schemas.microsoft.com/office/powerpoint/2018/8/main" r:id="rId3"/>
+    </p:ext>
+  </p:extLst>
+</p:sld>
+</file>
+
+<file path=ppt/slides/slide11.xml><?xml version="1.0" encoding="utf-8"?>
+<p:sld xmlns:a="http://schemas.openxmlformats.org/drawingml/2006/main" xmlns:r="http://schemas.openxmlformats.org/officeDocument/2006/relationships" xmlns:p="http://schemas.openxmlformats.org/presentationml/2006/main">
+  <p:cSld>
+    <p:spTree>
+      <p:nvGrpSpPr>
+        <p:cNvPr id="1" name=""/>
+        <p:cNvGrpSpPr/>
+        <p:nvPr/>
+      </p:nvGrpSpPr>
+      <p:grpSpPr>
+        <a:xfrm>
+          <a:off x="0" y="0"/>
+          <a:ext cx="0" cy="0"/>
+          <a:chOff x="0" y="0"/>
+          <a:chExt cx="0" cy="0"/>
+        </a:xfrm>
+      </p:grpSpPr>
+      <p:pic>
+        <p:nvPicPr>
+          <p:cNvPr id="3" name="Picture 2" descr="A picture containing schematic&#10;&#10;Description automatically generated">
+            <a:extLst>
+              <a:ext uri="{FF2B5EF4-FFF2-40B4-BE49-F238E27FC236}">
+                <a16:creationId xmlns:a16="http://schemas.microsoft.com/office/drawing/2014/main" id="{6ACA21A0-7F56-5AAC-2924-BB06FCE89211}"/>
+              </a:ext>
+            </a:extLst>
+          </p:cNvPr>
+          <p:cNvPicPr>
+            <a:picLocks noChangeAspect="1"/>
+          </p:cNvPicPr>
+          <p:nvPr/>
+        </p:nvPicPr>
+        <p:blipFill>
+          <a:blip r:embed="rId3">
+            <a:extLst>
+              <a:ext uri="{28A0092B-C50C-407E-A947-70E740481C1C}">
+                <a14:useLocalDpi xmlns:a14="http://schemas.microsoft.com/office/drawing/2010/main" val="0"/>
+              </a:ext>
+            </a:extLst>
+          </a:blip>
+          <a:stretch>
+            <a:fillRect/>
+          </a:stretch>
+        </p:blipFill>
+        <p:spPr>
+          <a:xfrm>
+            <a:off x="0" y="396875"/>
+            <a:ext cx="12192000" cy="6064250"/>
+          </a:xfrm>
+          <a:prstGeom prst="rect">
+            <a:avLst/>
+          </a:prstGeom>
+        </p:spPr>
+      </p:pic>
+    </p:spTree>
+    <p:extLst>
+      <p:ext uri="{BB962C8B-B14F-4D97-AF65-F5344CB8AC3E}">
+        <p14:creationId xmlns:p14="http://schemas.microsoft.com/office/powerpoint/2010/main" val="664405809"/>
+      </p:ext>
+    </p:extLst>
+  </p:cSld>
+  <p:clrMapOvr>
+    <a:masterClrMapping/>
+  </p:clrMapOvr>
+  <p:extLst>
+    <p:ext uri="{6950BFC3-D8DA-4A85-94F7-54DA5524770B}">
+      <p188:commentRel xmlns:p188="http://schemas.microsoft.com/office/powerpoint/2018/8/main" r:id="rId2"/>
+    </p:ext>
+  </p:extLst>
+</p:sld>
+</file>
+
+<file path=ppt/slides/slide12.xml><?xml version="1.0" encoding="utf-8"?>
+<p:sld xmlns:a="http://schemas.openxmlformats.org/drawingml/2006/main" xmlns:r="http://schemas.openxmlformats.org/officeDocument/2006/relationships" xmlns:p="http://schemas.openxmlformats.org/presentationml/2006/main">
+  <p:cSld>
+    <p:spTree>
+      <p:nvGrpSpPr>
+        <p:cNvPr id="1" name=""/>
+        <p:cNvGrpSpPr/>
+        <p:nvPr/>
+      </p:nvGrpSpPr>
+      <p:grpSpPr>
+        <a:xfrm>
+          <a:off x="0" y="0"/>
+          <a:ext cx="0" cy="0"/>
+          <a:chOff x="0" y="0"/>
+          <a:chExt cx="0" cy="0"/>
+        </a:xfrm>
+      </p:grpSpPr>
+      <p:pic>
+        <p:nvPicPr>
+          <p:cNvPr id="7" name="Picture 6" descr="Text&#10;&#10;Description automatically generated">
+            <a:extLst>
+              <a:ext uri="{FF2B5EF4-FFF2-40B4-BE49-F238E27FC236}">
+                <a16:creationId xmlns:a16="http://schemas.microsoft.com/office/drawing/2014/main" id="{A987A682-E823-C606-7056-E0603800BD2B}"/>
+              </a:ext>
+            </a:extLst>
+          </p:cNvPr>
+          <p:cNvPicPr>
+            <a:picLocks noChangeAspect="1"/>
+          </p:cNvPicPr>
+          <p:nvPr/>
+        </p:nvPicPr>
+        <p:blipFill>
+          <a:blip r:embed="rId3">
+            <a:extLst>
+              <a:ext uri="{28A0092B-C50C-407E-A947-70E740481C1C}">
+                <a14:useLocalDpi xmlns:a14="http://schemas.microsoft.com/office/drawing/2010/main" val="0"/>
+              </a:ext>
+            </a:extLst>
+          </a:blip>
+          <a:stretch>
+            <a:fillRect/>
+          </a:stretch>
+        </p:blipFill>
+        <p:spPr>
+          <a:xfrm>
+            <a:off x="0" y="396875"/>
+            <a:ext cx="12192000" cy="6064250"/>
+          </a:xfrm>
+          <a:prstGeom prst="rect">
+            <a:avLst/>
+          </a:prstGeom>
+        </p:spPr>
+      </p:pic>
+    </p:spTree>
+    <p:extLst>
+      <p:ext uri="{BB962C8B-B14F-4D97-AF65-F5344CB8AC3E}">
+        <p14:creationId xmlns:p14="http://schemas.microsoft.com/office/powerpoint/2010/main" val="1734917721"/>
+      </p:ext>
+    </p:extLst>
+  </p:cSld>
+  <p:clrMapOvr>
+    <a:masterClrMapping/>
+  </p:clrMapOvr>
+  <p:extLst>
+    <p:ext uri="{6950BFC3-D8DA-4A85-94F7-54DA5524770B}">
+      <p188:commentRel xmlns:p188="http://schemas.microsoft.com/office/powerpoint/2018/8/main" r:id="rId2"/>
+    </p:ext>
+  </p:extLst>
+</p:sld>
+</file>
+
+<file path=ppt/slides/slide13.xml><?xml version="1.0" encoding="utf-8"?>
+<p:sld xmlns:a="http://schemas.openxmlformats.org/drawingml/2006/main" xmlns:r="http://schemas.openxmlformats.org/officeDocument/2006/relationships" xmlns:p="http://schemas.openxmlformats.org/presentationml/2006/main">
+  <p:cSld>
+    <p:spTree>
+      <p:nvGrpSpPr>
+        <p:cNvPr id="1" name=""/>
+        <p:cNvGrpSpPr/>
+        <p:nvPr/>
+      </p:nvGrpSpPr>
+      <p:grpSpPr>
+        <a:xfrm>
+          <a:off x="0" y="0"/>
+          <a:ext cx="0" cy="0"/>
+          <a:chOff x="0" y="0"/>
+          <a:chExt cx="0" cy="0"/>
+        </a:xfrm>
+      </p:grpSpPr>
+      <p:pic>
+        <p:nvPicPr>
+          <p:cNvPr id="3" name="Picture 2" descr="Chart, line chart&#10;&#10;Description automatically generated">
+            <a:extLst>
+              <a:ext uri="{FF2B5EF4-FFF2-40B4-BE49-F238E27FC236}">
+                <a16:creationId xmlns:a16="http://schemas.microsoft.com/office/drawing/2014/main" id="{BC768F2E-346A-448D-9D93-DBDED28053E7}"/>
+              </a:ext>
+            </a:extLst>
+          </p:cNvPr>
+          <p:cNvPicPr>
+            <a:picLocks noChangeAspect="1"/>
+          </p:cNvPicPr>
+          <p:nvPr/>
+        </p:nvPicPr>
+        <p:blipFill>
+          <a:blip r:embed="rId3">
             <a:extLst>
               <a:ext uri="{28A0092B-C50C-407E-A947-70E740481C1C}">
                 <a14:useLocalDpi xmlns:a14="http://schemas.microsoft.com/office/drawing/2010/main" val="0"/>
@@ -3460,10 +4581,15 @@
   <p:clrMapOvr>
     <a:masterClrMapping/>
   </p:clrMapOvr>
+  <p:extLst>
+    <p:ext uri="{6950BFC3-D8DA-4A85-94F7-54DA5524770B}">
+      <p188:commentRel xmlns:p188="http://schemas.microsoft.com/office/powerpoint/2018/8/main" r:id="rId2"/>
+    </p:ext>
+  </p:extLst>
 </p:sld>
 </file>
 
-<file path=ppt/slides/slide11.xml><?xml version="1.0" encoding="utf-8"?>
+<file path=ppt/slides/slide14.xml><?xml version="1.0" encoding="utf-8"?>
 <p:sld xmlns:a="http://schemas.openxmlformats.org/drawingml/2006/main" xmlns:r="http://schemas.openxmlformats.org/officeDocument/2006/relationships" xmlns:p="http://schemas.openxmlformats.org/presentationml/2006/main">
   <p:cSld>
     <p:spTree>
@@ -3482,10 +4608,10 @@
       </p:grpSpPr>
       <p:pic>
         <p:nvPicPr>
-          <p:cNvPr id="5" name="Picture 4" descr="Chart, line chart&#10;&#10;Description automatically generated">
-            <a:extLst>
-              <a:ext uri="{FF2B5EF4-FFF2-40B4-BE49-F238E27FC236}">
-                <a16:creationId xmlns:a16="http://schemas.microsoft.com/office/drawing/2014/main" id="{FD2E5170-60FD-CBE1-A24B-4563D1FA17C1}"/>
+          <p:cNvPr id="4" name="Picture 3" descr="Chart, line chart&#10;&#10;Description automatically generated">
+            <a:extLst>
+              <a:ext uri="{FF2B5EF4-FFF2-40B4-BE49-F238E27FC236}">
+                <a16:creationId xmlns:a16="http://schemas.microsoft.com/office/drawing/2014/main" id="{FB15CDBC-DC91-3FDB-5533-15BB5B03C02F}"/>
               </a:ext>
             </a:extLst>
           </p:cNvPr>
@@ -3495,7 +4621,7 @@
           <p:nvPr/>
         </p:nvPicPr>
         <p:blipFill>
-          <a:blip r:embed="rId2">
+          <a:blip r:embed="rId3">
             <a:extLst>
               <a:ext uri="{28A0092B-C50C-407E-A947-70E740481C1C}">
                 <a14:useLocalDpi xmlns:a14="http://schemas.microsoft.com/office/drawing/2010/main" val="0"/>
@@ -3526,6 +4652,11 @@
   <p:clrMapOvr>
     <a:masterClrMapping/>
   </p:clrMapOvr>
+  <p:extLst>
+    <p:ext uri="{6950BFC3-D8DA-4A85-94F7-54DA5524770B}">
+      <p188:commentRel xmlns:p188="http://schemas.microsoft.com/office/powerpoint/2018/8/main" r:id="rId2"/>
+    </p:ext>
+  </p:extLst>
 </p:sld>
 </file>
 
@@ -3561,7 +4692,7 @@
           <p:nvPr/>
         </p:nvPicPr>
         <p:blipFill>
-          <a:blip r:embed="rId2">
+          <a:blip r:embed="rId4">
             <a:extLst>
               <a:ext uri="{28A0092B-C50C-407E-A947-70E740481C1C}">
                 <a14:useLocalDpi xmlns:a14="http://schemas.microsoft.com/office/drawing/2010/main" val="0"/>
@@ -3592,6 +4723,11 @@
   <p:clrMapOvr>
     <a:masterClrMapping/>
   </p:clrMapOvr>
+  <p:extLst>
+    <p:ext uri="{6950BFC3-D8DA-4A85-94F7-54DA5524770B}">
+      <p188:commentRel xmlns:p188="http://schemas.microsoft.com/office/powerpoint/2018/8/main" r:id="rId3"/>
+    </p:ext>
+  </p:extLst>
 </p:sld>
 </file>
 
@@ -3627,7 +4763,7 @@
           <p:nvPr/>
         </p:nvPicPr>
         <p:blipFill>
-          <a:blip r:embed="rId2">
+          <a:blip r:embed="rId4">
             <a:extLst>
               <a:ext uri="{28A0092B-C50C-407E-A947-70E740481C1C}">
                 <a14:useLocalDpi xmlns:a14="http://schemas.microsoft.com/office/drawing/2010/main" val="0"/>
@@ -3658,6 +4794,11 @@
   <p:clrMapOvr>
     <a:masterClrMapping/>
   </p:clrMapOvr>
+  <p:extLst>
+    <p:ext uri="{6950BFC3-D8DA-4A85-94F7-54DA5524770B}">
+      <p188:commentRel xmlns:p188="http://schemas.microsoft.com/office/powerpoint/2018/8/main" r:id="rId3"/>
+    </p:ext>
+  </p:extLst>
 </p:sld>
 </file>
 
@@ -3693,7 +4834,7 @@
           <p:nvPr/>
         </p:nvPicPr>
         <p:blipFill>
-          <a:blip r:embed="rId2">
+          <a:blip r:embed="rId3">
             <a:extLst>
               <a:ext uri="{28A0092B-C50C-407E-A947-70E740481C1C}">
                 <a14:useLocalDpi xmlns:a14="http://schemas.microsoft.com/office/drawing/2010/main" val="0"/>
@@ -3724,6 +4865,11 @@
   <p:clrMapOvr>
     <a:masterClrMapping/>
   </p:clrMapOvr>
+  <p:extLst>
+    <p:ext uri="{6950BFC3-D8DA-4A85-94F7-54DA5524770B}">
+      <p188:commentRel xmlns:p188="http://schemas.microsoft.com/office/powerpoint/2018/8/main" r:id="rId2"/>
+    </p:ext>
+  </p:extLst>
 </p:sld>
 </file>
 
@@ -3746,10 +4892,10 @@
       </p:grpSpPr>
       <p:pic>
         <p:nvPicPr>
-          <p:cNvPr id="3" name="Picture 2" descr="Chart&#10;&#10;Description automatically generated with medium confidence">
-            <a:extLst>
-              <a:ext uri="{FF2B5EF4-FFF2-40B4-BE49-F238E27FC236}">
-                <a16:creationId xmlns:a16="http://schemas.microsoft.com/office/drawing/2014/main" id="{37F1E737-E84F-1E77-03A3-DD3ED54F5D03}"/>
+          <p:cNvPr id="5" name="Picture 4" descr="Chart, line chart, histogram&#10;&#10;Description automatically generated">
+            <a:extLst>
+              <a:ext uri="{FF2B5EF4-FFF2-40B4-BE49-F238E27FC236}">
+                <a16:creationId xmlns:a16="http://schemas.microsoft.com/office/drawing/2014/main" id="{B743CD3D-8AFD-9535-538F-F496F74ABAD9}"/>
               </a:ext>
             </a:extLst>
           </p:cNvPr>
@@ -3759,7 +4905,78 @@
           <p:nvPr/>
         </p:nvPicPr>
         <p:blipFill>
-          <a:blip r:embed="rId2">
+          <a:blip r:embed="rId3">
+            <a:extLst>
+              <a:ext uri="{28A0092B-C50C-407E-A947-70E740481C1C}">
+                <a14:useLocalDpi xmlns:a14="http://schemas.microsoft.com/office/drawing/2010/main" val="0"/>
+              </a:ext>
+            </a:extLst>
+          </a:blip>
+          <a:stretch>
+            <a:fillRect/>
+          </a:stretch>
+        </p:blipFill>
+        <p:spPr>
+          <a:xfrm>
+            <a:off x="0" y="396875"/>
+            <a:ext cx="12192000" cy="6064250"/>
+          </a:xfrm>
+          <a:prstGeom prst="rect">
+            <a:avLst/>
+          </a:prstGeom>
+        </p:spPr>
+      </p:pic>
+    </p:spTree>
+    <p:extLst>
+      <p:ext uri="{BB962C8B-B14F-4D97-AF65-F5344CB8AC3E}">
+        <p14:creationId xmlns:p14="http://schemas.microsoft.com/office/powerpoint/2010/main" val="4007512670"/>
+      </p:ext>
+    </p:extLst>
+  </p:cSld>
+  <p:clrMapOvr>
+    <a:masterClrMapping/>
+  </p:clrMapOvr>
+  <p:extLst>
+    <p:ext uri="{6950BFC3-D8DA-4A85-94F7-54DA5524770B}">
+      <p188:commentRel xmlns:p188="http://schemas.microsoft.com/office/powerpoint/2018/8/main" r:id="rId2"/>
+    </p:ext>
+  </p:extLst>
+</p:sld>
+</file>
+
+<file path=ppt/slides/slide6.xml><?xml version="1.0" encoding="utf-8"?>
+<p:sld xmlns:a="http://schemas.openxmlformats.org/drawingml/2006/main" xmlns:r="http://schemas.openxmlformats.org/officeDocument/2006/relationships" xmlns:p="http://schemas.openxmlformats.org/presentationml/2006/main">
+  <p:cSld>
+    <p:spTree>
+      <p:nvGrpSpPr>
+        <p:cNvPr id="1" name=""/>
+        <p:cNvGrpSpPr/>
+        <p:nvPr/>
+      </p:nvGrpSpPr>
+      <p:grpSpPr>
+        <a:xfrm>
+          <a:off x="0" y="0"/>
+          <a:ext cx="0" cy="0"/>
+          <a:chOff x="0" y="0"/>
+          <a:chExt cx="0" cy="0"/>
+        </a:xfrm>
+      </p:grpSpPr>
+      <p:pic>
+        <p:nvPicPr>
+          <p:cNvPr id="3" name="Picture 2" descr="Chart&#10;&#10;Description automatically generated with medium confidence">
+            <a:extLst>
+              <a:ext uri="{FF2B5EF4-FFF2-40B4-BE49-F238E27FC236}">
+                <a16:creationId xmlns:a16="http://schemas.microsoft.com/office/drawing/2014/main" id="{37F1E737-E84F-1E77-03A3-DD3ED54F5D03}"/>
+              </a:ext>
+            </a:extLst>
+          </p:cNvPr>
+          <p:cNvPicPr>
+            <a:picLocks noChangeAspect="1"/>
+          </p:cNvPicPr>
+          <p:nvPr/>
+        </p:nvPicPr>
+        <p:blipFill>
+          <a:blip r:embed="rId3">
             <a:extLst>
               <a:ext uri="{28A0092B-C50C-407E-A947-70E740481C1C}">
                 <a14:useLocalDpi xmlns:a14="http://schemas.microsoft.com/office/drawing/2010/main" val="0"/>
@@ -3790,72 +5007,11 @@
   <p:clrMapOvr>
     <a:masterClrMapping/>
   </p:clrMapOvr>
-</p:sld>
-</file>
-
-<file path=ppt/slides/slide6.xml><?xml version="1.0" encoding="utf-8"?>
-<p:sld xmlns:a="http://schemas.openxmlformats.org/drawingml/2006/main" xmlns:r="http://schemas.openxmlformats.org/officeDocument/2006/relationships" xmlns:p="http://schemas.openxmlformats.org/presentationml/2006/main">
-  <p:cSld>
-    <p:spTree>
-      <p:nvGrpSpPr>
-        <p:cNvPr id="1" name=""/>
-        <p:cNvGrpSpPr/>
-        <p:nvPr/>
-      </p:nvGrpSpPr>
-      <p:grpSpPr>
-        <a:xfrm>
-          <a:off x="0" y="0"/>
-          <a:ext cx="0" cy="0"/>
-          <a:chOff x="0" y="0"/>
-          <a:chExt cx="0" cy="0"/>
-        </a:xfrm>
-      </p:grpSpPr>
-      <p:pic>
-        <p:nvPicPr>
-          <p:cNvPr id="5" name="Picture 4" descr="Chart, line chart, histogram&#10;&#10;Description automatically generated">
-            <a:extLst>
-              <a:ext uri="{FF2B5EF4-FFF2-40B4-BE49-F238E27FC236}">
-                <a16:creationId xmlns:a16="http://schemas.microsoft.com/office/drawing/2014/main" id="{B743CD3D-8AFD-9535-538F-F496F74ABAD9}"/>
-              </a:ext>
-            </a:extLst>
-          </p:cNvPr>
-          <p:cNvPicPr>
-            <a:picLocks noChangeAspect="1"/>
-          </p:cNvPicPr>
-          <p:nvPr/>
-        </p:nvPicPr>
-        <p:blipFill>
-          <a:blip r:embed="rId2">
-            <a:extLst>
-              <a:ext uri="{28A0092B-C50C-407E-A947-70E740481C1C}">
-                <a14:useLocalDpi xmlns:a14="http://schemas.microsoft.com/office/drawing/2010/main" val="0"/>
-              </a:ext>
-            </a:extLst>
-          </a:blip>
-          <a:stretch>
-            <a:fillRect/>
-          </a:stretch>
-        </p:blipFill>
-        <p:spPr>
-          <a:xfrm>
-            <a:off x="0" y="396875"/>
-            <a:ext cx="12192000" cy="6064250"/>
-          </a:xfrm>
-          <a:prstGeom prst="rect">
-            <a:avLst/>
-          </a:prstGeom>
-        </p:spPr>
-      </p:pic>
-    </p:spTree>
-    <p:extLst>
-      <p:ext uri="{BB962C8B-B14F-4D97-AF65-F5344CB8AC3E}">
-        <p14:creationId xmlns:p14="http://schemas.microsoft.com/office/powerpoint/2010/main" val="4007512670"/>
-      </p:ext>
-    </p:extLst>
-  </p:cSld>
-  <p:clrMapOvr>
-    <a:masterClrMapping/>
-  </p:clrMapOvr>
+  <p:extLst>
+    <p:ext uri="{6950BFC3-D8DA-4A85-94F7-54DA5524770B}">
+      <p188:commentRel xmlns:p188="http://schemas.microsoft.com/office/powerpoint/2018/8/main" r:id="rId2"/>
+    </p:ext>
+  </p:extLst>
 </p:sld>
 </file>
 
@@ -3891,7 +5047,7 @@
           <p:nvPr/>
         </p:nvPicPr>
         <p:blipFill>
-          <a:blip r:embed="rId2">
+          <a:blip r:embed="rId3">
             <a:extLst>
               <a:ext uri="{28A0092B-C50C-407E-A947-70E740481C1C}">
                 <a14:useLocalDpi xmlns:a14="http://schemas.microsoft.com/office/drawing/2010/main" val="0"/>
@@ -3922,6 +5078,11 @@
   <p:clrMapOvr>
     <a:masterClrMapping/>
   </p:clrMapOvr>
+  <p:extLst>
+    <p:ext uri="{6950BFC3-D8DA-4A85-94F7-54DA5524770B}">
+      <p188:commentRel xmlns:p188="http://schemas.microsoft.com/office/powerpoint/2018/8/main" r:id="rId2"/>
+    </p:ext>
+  </p:extLst>
 </p:sld>
 </file>
 
@@ -3957,7 +5118,7 @@
           <p:nvPr/>
         </p:nvPicPr>
         <p:blipFill>
-          <a:blip r:embed="rId2">
+          <a:blip r:embed="rId3">
             <a:extLst>
               <a:ext uri="{28A0092B-C50C-407E-A947-70E740481C1C}">
                 <a14:useLocalDpi xmlns:a14="http://schemas.microsoft.com/office/drawing/2010/main" val="0"/>
@@ -3988,6 +5149,11 @@
   <p:clrMapOvr>
     <a:masterClrMapping/>
   </p:clrMapOvr>
+  <p:extLst>
+    <p:ext uri="{6950BFC3-D8DA-4A85-94F7-54DA5524770B}">
+      <p188:commentRel xmlns:p188="http://schemas.microsoft.com/office/powerpoint/2018/8/main" r:id="rId2"/>
+    </p:ext>
+  </p:extLst>
 </p:sld>
 </file>
 
@@ -4023,7 +5189,7 @@
           <p:nvPr/>
         </p:nvPicPr>
         <p:blipFill>
-          <a:blip r:embed="rId2">
+          <a:blip r:embed="rId3">
             <a:extLst>
               <a:ext uri="{28A0092B-C50C-407E-A947-70E740481C1C}">
                 <a14:useLocalDpi xmlns:a14="http://schemas.microsoft.com/office/drawing/2010/main" val="0"/>
@@ -4054,6 +5220,11 @@
   <p:clrMapOvr>
     <a:masterClrMapping/>
   </p:clrMapOvr>
+  <p:extLst>
+    <p:ext uri="{6950BFC3-D8DA-4A85-94F7-54DA5524770B}">
+      <p188:commentRel xmlns:p188="http://schemas.microsoft.com/office/powerpoint/2018/8/main" r:id="rId2"/>
+    </p:ext>
+  </p:extLst>
 </p:sld>
 </file>
 
@@ -4350,4 +5521,299 @@
     </a:ext>
   </a:extLst>
 </a:theme>
+</file>
+
+<file path=ppt/theme/theme2.xml><?xml version="1.0" encoding="utf-8"?>
+<a:theme xmlns:a="http://schemas.openxmlformats.org/drawingml/2006/main" name="Office Theme">
+  <a:themeElements>
+    <a:clrScheme name="Office">
+      <a:dk1>
+        <a:sysClr val="windowText" lastClr="000000"/>
+      </a:dk1>
+      <a:lt1>
+        <a:sysClr val="window" lastClr="FFFFFF"/>
+      </a:lt1>
+      <a:dk2>
+        <a:srgbClr val="44546A"/>
+      </a:dk2>
+      <a:lt2>
+        <a:srgbClr val="E7E6E6"/>
+      </a:lt2>
+      <a:accent1>
+        <a:srgbClr val="4472C4"/>
+      </a:accent1>
+      <a:accent2>
+        <a:srgbClr val="ED7D31"/>
+      </a:accent2>
+      <a:accent3>
+        <a:srgbClr val="A5A5A5"/>
+      </a:accent3>
+      <a:accent4>
+        <a:srgbClr val="FFC000"/>
+      </a:accent4>
+      <a:accent5>
+        <a:srgbClr val="5B9BD5"/>
+      </a:accent5>
+      <a:accent6>
+        <a:srgbClr val="70AD47"/>
+      </a:accent6>
+      <a:hlink>
+        <a:srgbClr val="0563C1"/>
+      </a:hlink>
+      <a:folHlink>
+        <a:srgbClr val="954F72"/>
+      </a:folHlink>
+    </a:clrScheme>
+    <a:fontScheme name="Office">
+      <a:majorFont>
+        <a:latin typeface="Calibri Light" panose="020F0302020204030204"/>
+        <a:ea typeface=""/>
+        <a:cs typeface=""/>
+        <a:font script="Jpan" typeface="游ゴシック Light"/>
+        <a:font script="Hang" typeface="맑은 고딕"/>
+        <a:font script="Hans" typeface="等线 Light"/>
+        <a:font script="Hant" typeface="新細明體"/>
+        <a:font script="Arab" typeface="Times New Roman"/>
+        <a:font script="Hebr" typeface="Times New Roman"/>
+        <a:font script="Thai" typeface="Angsana New"/>
+        <a:font script="Ethi" typeface="Nyala"/>
+        <a:font script="Beng" typeface="Vrinda"/>
+        <a:font script="Gujr" typeface="Shruti"/>
+        <a:font script="Khmr" typeface="MoolBoran"/>
+        <a:font script="Knda" typeface="Tunga"/>
+        <a:font script="Guru" typeface="Raavi"/>
+        <a:font script="Cans" typeface="Euphemia"/>
+        <a:font script="Cher" typeface="Plantagenet Cherokee"/>
+        <a:font script="Yiii" typeface="Microsoft Yi Baiti"/>
+        <a:font script="Tibt" typeface="Microsoft Himalaya"/>
+        <a:font script="Thaa" typeface="MV Boli"/>
+        <a:font script="Deva" typeface="Mangal"/>
+        <a:font script="Telu" typeface="Gautami"/>
+        <a:font script="Taml" typeface="Latha"/>
+        <a:font script="Syrc" typeface="Estrangelo Edessa"/>
+        <a:font script="Orya" typeface="Kalinga"/>
+        <a:font script="Mlym" typeface="Kartika"/>
+        <a:font script="Laoo" typeface="DokChampa"/>
+        <a:font script="Sinh" typeface="Iskoola Pota"/>
+        <a:font script="Mong" typeface="Mongolian Baiti"/>
+        <a:font script="Viet" typeface="Times New Roman"/>
+        <a:font script="Uigh" typeface="Microsoft Uighur"/>
+        <a:font script="Geor" typeface="Sylfaen"/>
+        <a:font script="Armn" typeface="Arial"/>
+        <a:font script="Bugi" typeface="Leelawadee UI"/>
+        <a:font script="Bopo" typeface="Microsoft JhengHei"/>
+        <a:font script="Java" typeface="Javanese Text"/>
+        <a:font script="Lisu" typeface="Segoe UI"/>
+        <a:font script="Mymr" typeface="Myanmar Text"/>
+        <a:font script="Nkoo" typeface="Ebrima"/>
+        <a:font script="Olck" typeface="Nirmala UI"/>
+        <a:font script="Osma" typeface="Ebrima"/>
+        <a:font script="Phag" typeface="Phagspa"/>
+        <a:font script="Syrn" typeface="Estrangelo Edessa"/>
+        <a:font script="Syrj" typeface="Estrangelo Edessa"/>
+        <a:font script="Syre" typeface="Estrangelo Edessa"/>
+        <a:font script="Sora" typeface="Nirmala UI"/>
+        <a:font script="Tale" typeface="Microsoft Tai Le"/>
+        <a:font script="Talu" typeface="Microsoft New Tai Lue"/>
+        <a:font script="Tfng" typeface="Ebrima"/>
+      </a:majorFont>
+      <a:minorFont>
+        <a:latin typeface="Calibri" panose="020F0502020204030204"/>
+        <a:ea typeface=""/>
+        <a:cs typeface=""/>
+        <a:font script="Jpan" typeface="游ゴシック"/>
+        <a:font script="Hang" typeface="맑은 고딕"/>
+        <a:font script="Hans" typeface="等线"/>
+        <a:font script="Hant" typeface="新細明體"/>
+        <a:font script="Arab" typeface="Arial"/>
+        <a:font script="Hebr" typeface="Arial"/>
+        <a:font script="Thai" typeface="Cordia New"/>
+        <a:font script="Ethi" typeface="Nyala"/>
+        <a:font script="Beng" typeface="Vrinda"/>
+        <a:font script="Gujr" typeface="Shruti"/>
+        <a:font script="Khmr" typeface="DaunPenh"/>
+        <a:font script="Knda" typeface="Tunga"/>
+        <a:font script="Guru" typeface="Raavi"/>
+        <a:font script="Cans" typeface="Euphemia"/>
+        <a:font script="Cher" typeface="Plantagenet Cherokee"/>
+        <a:font script="Yiii" typeface="Microsoft Yi Baiti"/>
+        <a:font script="Tibt" typeface="Microsoft Himalaya"/>
+        <a:font script="Thaa" typeface="MV Boli"/>
+        <a:font script="Deva" typeface="Mangal"/>
+        <a:font script="Telu" typeface="Gautami"/>
+        <a:font script="Taml" typeface="Latha"/>
+        <a:font script="Syrc" typeface="Estrangelo Edessa"/>
+        <a:font script="Orya" typeface="Kalinga"/>
+        <a:font script="Mlym" typeface="Kartika"/>
+        <a:font script="Laoo" typeface="DokChampa"/>
+        <a:font script="Sinh" typeface="Iskoola Pota"/>
+        <a:font script="Mong" typeface="Mongolian Baiti"/>
+        <a:font script="Viet" typeface="Arial"/>
+        <a:font script="Uigh" typeface="Microsoft Uighur"/>
+        <a:font script="Geor" typeface="Sylfaen"/>
+        <a:font script="Armn" typeface="Arial"/>
+        <a:font script="Bugi" typeface="Leelawadee UI"/>
+        <a:font script="Bopo" typeface="Microsoft JhengHei"/>
+        <a:font script="Java" typeface="Javanese Text"/>
+        <a:font script="Lisu" typeface="Segoe UI"/>
+        <a:font script="Mymr" typeface="Myanmar Text"/>
+        <a:font script="Nkoo" typeface="Ebrima"/>
+        <a:font script="Olck" typeface="Nirmala UI"/>
+        <a:font script="Osma" typeface="Ebrima"/>
+        <a:font script="Phag" typeface="Phagspa"/>
+        <a:font script="Syrn" typeface="Estrangelo Edessa"/>
+        <a:font script="Syrj" typeface="Estrangelo Edessa"/>
+        <a:font script="Syre" typeface="Estrangelo Edessa"/>
+        <a:font script="Sora" typeface="Nirmala UI"/>
+        <a:font script="Tale" typeface="Microsoft Tai Le"/>
+        <a:font script="Talu" typeface="Microsoft New Tai Lue"/>
+        <a:font script="Tfng" typeface="Ebrima"/>
+      </a:minorFont>
+    </a:fontScheme>
+    <a:fmtScheme name="Office">
+      <a:fillStyleLst>
+        <a:solidFill>
+          <a:schemeClr val="phClr"/>
+        </a:solidFill>
+        <a:gradFill rotWithShape="1">
+          <a:gsLst>
+            <a:gs pos="0">
+              <a:schemeClr val="phClr">
+                <a:lumMod val="110000"/>
+                <a:satMod val="105000"/>
+                <a:tint val="67000"/>
+              </a:schemeClr>
+            </a:gs>
+            <a:gs pos="50000">
+              <a:schemeClr val="phClr">
+                <a:lumMod val="105000"/>
+                <a:satMod val="103000"/>
+                <a:tint val="73000"/>
+              </a:schemeClr>
+            </a:gs>
+            <a:gs pos="100000">
+              <a:schemeClr val="phClr">
+                <a:lumMod val="105000"/>
+                <a:satMod val="109000"/>
+                <a:tint val="81000"/>
+              </a:schemeClr>
+            </a:gs>
+          </a:gsLst>
+          <a:lin ang="5400000" scaled="0"/>
+        </a:gradFill>
+        <a:gradFill rotWithShape="1">
+          <a:gsLst>
+            <a:gs pos="0">
+              <a:schemeClr val="phClr">
+                <a:satMod val="103000"/>
+                <a:lumMod val="102000"/>
+                <a:tint val="94000"/>
+              </a:schemeClr>
+            </a:gs>
+            <a:gs pos="50000">
+              <a:schemeClr val="phClr">
+                <a:satMod val="110000"/>
+                <a:lumMod val="100000"/>
+                <a:shade val="100000"/>
+              </a:schemeClr>
+            </a:gs>
+            <a:gs pos="100000">
+              <a:schemeClr val="phClr">
+                <a:lumMod val="99000"/>
+                <a:satMod val="120000"/>
+                <a:shade val="78000"/>
+              </a:schemeClr>
+            </a:gs>
+          </a:gsLst>
+          <a:lin ang="5400000" scaled="0"/>
+        </a:gradFill>
+      </a:fillStyleLst>
+      <a:lnStyleLst>
+        <a:ln w="6350" cap="flat" cmpd="sng" algn="ctr">
+          <a:solidFill>
+            <a:schemeClr val="phClr"/>
+          </a:solidFill>
+          <a:prstDash val="solid"/>
+          <a:miter lim="800000"/>
+        </a:ln>
+        <a:ln w="12700" cap="flat" cmpd="sng" algn="ctr">
+          <a:solidFill>
+            <a:schemeClr val="phClr"/>
+          </a:solidFill>
+          <a:prstDash val="solid"/>
+          <a:miter lim="800000"/>
+        </a:ln>
+        <a:ln w="19050" cap="flat" cmpd="sng" algn="ctr">
+          <a:solidFill>
+            <a:schemeClr val="phClr"/>
+          </a:solidFill>
+          <a:prstDash val="solid"/>
+          <a:miter lim="800000"/>
+        </a:ln>
+      </a:lnStyleLst>
+      <a:effectStyleLst>
+        <a:effectStyle>
+          <a:effectLst/>
+        </a:effectStyle>
+        <a:effectStyle>
+          <a:effectLst/>
+        </a:effectStyle>
+        <a:effectStyle>
+          <a:effectLst>
+            <a:outerShdw blurRad="57150" dist="19050" dir="5400000" algn="ctr" rotWithShape="0">
+              <a:srgbClr val="000000">
+                <a:alpha val="63000"/>
+              </a:srgbClr>
+            </a:outerShdw>
+          </a:effectLst>
+        </a:effectStyle>
+      </a:effectStyleLst>
+      <a:bgFillStyleLst>
+        <a:solidFill>
+          <a:schemeClr val="phClr"/>
+        </a:solidFill>
+        <a:solidFill>
+          <a:schemeClr val="phClr">
+            <a:tint val="95000"/>
+            <a:satMod val="170000"/>
+          </a:schemeClr>
+        </a:solidFill>
+        <a:gradFill rotWithShape="1">
+          <a:gsLst>
+            <a:gs pos="0">
+              <a:schemeClr val="phClr">
+                <a:tint val="93000"/>
+                <a:satMod val="150000"/>
+                <a:shade val="98000"/>
+                <a:lumMod val="102000"/>
+              </a:schemeClr>
+            </a:gs>
+            <a:gs pos="50000">
+              <a:schemeClr val="phClr">
+                <a:tint val="98000"/>
+                <a:satMod val="130000"/>
+                <a:shade val="90000"/>
+                <a:lumMod val="103000"/>
+              </a:schemeClr>
+            </a:gs>
+            <a:gs pos="100000">
+              <a:schemeClr val="phClr">
+                <a:shade val="63000"/>
+                <a:satMod val="120000"/>
+              </a:schemeClr>
+            </a:gs>
+          </a:gsLst>
+          <a:lin ang="5400000" scaled="0"/>
+        </a:gradFill>
+      </a:bgFillStyleLst>
+    </a:fmtScheme>
+  </a:themeElements>
+  <a:objectDefaults/>
+  <a:extraClrSchemeLst/>
+  <a:extLst>
+    <a:ext uri="{05A4C25C-085E-4340-85A3-A5531E510DB2}">
+      <thm15:themeFamily xmlns:thm15="http://schemas.microsoft.com/office/thememl/2012/main" name="Office Theme" id="{62F939B6-93AF-4DB8-9C6B-D6C7DFDC589F}" vid="{4A3C46E8-61CC-4603-A589-7422A47A8E4A}"/>
+    </a:ext>
+  </a:extLst>
+</a:theme>
 </file>
--- a/Performance Measure/Noise/Presentations/20220725_Subgroup Meeting.pptx
+++ b/Performance Measure/Noise/Presentations/20220725_Subgroup Meeting.pptx
@@ -5,7 +5,7 @@
     <p:sldMasterId id="2147483648" r:id="rId1"/>
   </p:sldMasterIdLst>
   <p:notesMasterIdLst>
-    <p:notesMasterId r:id="rId16"/>
+    <p:notesMasterId r:id="rId19"/>
   </p:notesMasterIdLst>
   <p:sldIdLst>
     <p:sldId id="256" r:id="rId2"/>
@@ -22,6 +22,9 @@
     <p:sldId id="267" r:id="rId13"/>
     <p:sldId id="265" r:id="rId14"/>
     <p:sldId id="266" r:id="rId15"/>
+    <p:sldId id="272" r:id="rId16"/>
+    <p:sldId id="270" r:id="rId17"/>
+    <p:sldId id="271" r:id="rId18"/>
   </p:sldIdLst>
   <p:sldSz cx="12192000" cy="6858000"/>
   <p:notesSz cx="6858000" cy="9144000"/>
@@ -506,7 +509,7 @@
           <a:p>
             <a:fld id="{22CDD584-1A2D-2C47-B963-7113CB684ECB}" type="datetimeFigureOut">
               <a:rPr lang="en-US" smtClean="0"/>
-              <a:t>7/26/22</a:t>
+              <a:t>7/27/2022</a:t>
             </a:fld>
             <a:endParaRPr lang="en-US"/>
           </a:p>
@@ -1172,7 +1175,7 @@
           <a:p>
             <a:fld id="{7A810BC3-F789-4159-984E-64DF68683882}" type="datetimeFigureOut">
               <a:rPr lang="en-US" smtClean="0"/>
-              <a:t>7/26/22</a:t>
+              <a:t>7/27/2022</a:t>
             </a:fld>
             <a:endParaRPr lang="en-US"/>
           </a:p>
@@ -1370,7 +1373,7 @@
           <a:p>
             <a:fld id="{7A810BC3-F789-4159-984E-64DF68683882}" type="datetimeFigureOut">
               <a:rPr lang="en-US" smtClean="0"/>
-              <a:t>7/26/22</a:t>
+              <a:t>7/27/2022</a:t>
             </a:fld>
             <a:endParaRPr lang="en-US"/>
           </a:p>
@@ -1578,7 +1581,7 @@
           <a:p>
             <a:fld id="{7A810BC3-F789-4159-984E-64DF68683882}" type="datetimeFigureOut">
               <a:rPr lang="en-US" smtClean="0"/>
-              <a:t>7/26/22</a:t>
+              <a:t>7/27/2022</a:t>
             </a:fld>
             <a:endParaRPr lang="en-US"/>
           </a:p>
@@ -1776,7 +1779,7 @@
           <a:p>
             <a:fld id="{7A810BC3-F789-4159-984E-64DF68683882}" type="datetimeFigureOut">
               <a:rPr lang="en-US" smtClean="0"/>
-              <a:t>7/26/22</a:t>
+              <a:t>7/27/2022</a:t>
             </a:fld>
             <a:endParaRPr lang="en-US"/>
           </a:p>
@@ -2051,7 +2054,7 @@
           <a:p>
             <a:fld id="{7A810BC3-F789-4159-984E-64DF68683882}" type="datetimeFigureOut">
               <a:rPr lang="en-US" smtClean="0"/>
-              <a:t>7/26/22</a:t>
+              <a:t>7/27/2022</a:t>
             </a:fld>
             <a:endParaRPr lang="en-US"/>
           </a:p>
@@ -2316,7 +2319,7 @@
           <a:p>
             <a:fld id="{7A810BC3-F789-4159-984E-64DF68683882}" type="datetimeFigureOut">
               <a:rPr lang="en-US" smtClean="0"/>
-              <a:t>7/26/22</a:t>
+              <a:t>7/27/2022</a:t>
             </a:fld>
             <a:endParaRPr lang="en-US"/>
           </a:p>
@@ -2728,7 +2731,7 @@
           <a:p>
             <a:fld id="{7A810BC3-F789-4159-984E-64DF68683882}" type="datetimeFigureOut">
               <a:rPr lang="en-US" smtClean="0"/>
-              <a:t>7/26/22</a:t>
+              <a:t>7/27/2022</a:t>
             </a:fld>
             <a:endParaRPr lang="en-US"/>
           </a:p>
@@ -2869,7 +2872,7 @@
           <a:p>
             <a:fld id="{7A810BC3-F789-4159-984E-64DF68683882}" type="datetimeFigureOut">
               <a:rPr lang="en-US" smtClean="0"/>
-              <a:t>7/26/22</a:t>
+              <a:t>7/27/2022</a:t>
             </a:fld>
             <a:endParaRPr lang="en-US"/>
           </a:p>
@@ -2982,7 +2985,7 @@
           <a:p>
             <a:fld id="{7A810BC3-F789-4159-984E-64DF68683882}" type="datetimeFigureOut">
               <a:rPr lang="en-US" smtClean="0"/>
-              <a:t>7/26/22</a:t>
+              <a:t>7/27/2022</a:t>
             </a:fld>
             <a:endParaRPr lang="en-US"/>
           </a:p>
@@ -3293,7 +3296,7 @@
           <a:p>
             <a:fld id="{7A810BC3-F789-4159-984E-64DF68683882}" type="datetimeFigureOut">
               <a:rPr lang="en-US" smtClean="0"/>
-              <a:t>7/26/22</a:t>
+              <a:t>7/27/2022</a:t>
             </a:fld>
             <a:endParaRPr lang="en-US"/>
           </a:p>
@@ -3581,7 +3584,7 @@
           <a:p>
             <a:fld id="{7A810BC3-F789-4159-984E-64DF68683882}" type="datetimeFigureOut">
               <a:rPr lang="en-US" smtClean="0"/>
-              <a:t>7/26/22</a:t>
+              <a:t>7/27/2022</a:t>
             </a:fld>
             <a:endParaRPr lang="en-US"/>
           </a:p>
@@ -3822,7 +3825,7 @@
           <a:p>
             <a:fld id="{7A810BC3-F789-4159-984E-64DF68683882}" type="datetimeFigureOut">
               <a:rPr lang="en-US" smtClean="0"/>
-              <a:t>7/26/22</a:t>
+              <a:t>7/27/2022</a:t>
             </a:fld>
             <a:endParaRPr lang="en-US"/>
           </a:p>
@@ -4324,10 +4327,10 @@
       </p:grpSpPr>
       <p:pic>
         <p:nvPicPr>
-          <p:cNvPr id="3" name="Picture 2" descr="A picture containing diagram&#10;&#10;Description automatically generated">
-            <a:extLst>
-              <a:ext uri="{FF2B5EF4-FFF2-40B4-BE49-F238E27FC236}">
-                <a16:creationId xmlns:a16="http://schemas.microsoft.com/office/drawing/2014/main" id="{4FFC3F93-2923-C978-86CC-8996B92C2768}"/>
+          <p:cNvPr id="4" name="Picture 3" descr="A picture containing diagram&#10;&#10;Description automatically generated">
+            <a:extLst>
+              <a:ext uri="{FF2B5EF4-FFF2-40B4-BE49-F238E27FC236}">
+                <a16:creationId xmlns:a16="http://schemas.microsoft.com/office/drawing/2014/main" id="{9122D95B-9D67-3B8C-3DE0-58667C7F3B52}"/>
               </a:ext>
             </a:extLst>
           </p:cNvPr>
@@ -4350,7 +4353,7 @@
         </p:blipFill>
         <p:spPr>
           <a:xfrm>
-            <a:off x="0" y="387639"/>
+            <a:off x="0" y="396875"/>
             <a:ext cx="12192000" cy="6064250"/>
           </a:xfrm>
           <a:prstGeom prst="rect">
@@ -4395,10 +4398,10 @@
       </p:grpSpPr>
       <p:pic>
         <p:nvPicPr>
-          <p:cNvPr id="3" name="Picture 2" descr="A picture containing schematic&#10;&#10;Description automatically generated">
-            <a:extLst>
-              <a:ext uri="{FF2B5EF4-FFF2-40B4-BE49-F238E27FC236}">
-                <a16:creationId xmlns:a16="http://schemas.microsoft.com/office/drawing/2014/main" id="{6ACA21A0-7F56-5AAC-2924-BB06FCE89211}"/>
+          <p:cNvPr id="4" name="Picture 3" descr="A picture containing schematic&#10;&#10;Description automatically generated">
+            <a:extLst>
+              <a:ext uri="{FF2B5EF4-FFF2-40B4-BE49-F238E27FC236}">
+                <a16:creationId xmlns:a16="http://schemas.microsoft.com/office/drawing/2014/main" id="{C9FF82C6-9737-923B-DE7B-6C8157AE1C62}"/>
               </a:ext>
             </a:extLst>
           </p:cNvPr>
@@ -4466,10 +4469,10 @@
       </p:grpSpPr>
       <p:pic>
         <p:nvPicPr>
-          <p:cNvPr id="7" name="Picture 6" descr="Text&#10;&#10;Description automatically generated">
-            <a:extLst>
-              <a:ext uri="{FF2B5EF4-FFF2-40B4-BE49-F238E27FC236}">
-                <a16:creationId xmlns:a16="http://schemas.microsoft.com/office/drawing/2014/main" id="{A987A682-E823-C606-7056-E0603800BD2B}"/>
+          <p:cNvPr id="3" name="Picture 2" descr="Text&#10;&#10;Description automatically generated">
+            <a:extLst>
+              <a:ext uri="{FF2B5EF4-FFF2-40B4-BE49-F238E27FC236}">
+                <a16:creationId xmlns:a16="http://schemas.microsoft.com/office/drawing/2014/main" id="{5D39CF8E-F938-3A13-A64F-6174F03A4F45}"/>
               </a:ext>
             </a:extLst>
           </p:cNvPr>
@@ -4657,6 +4660,168 @@
       <p188:commentRel xmlns:p188="http://schemas.microsoft.com/office/powerpoint/2018/8/main" r:id="rId2"/>
     </p:ext>
   </p:extLst>
+</p:sld>
+</file>
+
+<file path=ppt/slides/slide15.xml><?xml version="1.0" encoding="utf-8"?>
+<p:sld xmlns:a="http://schemas.openxmlformats.org/drawingml/2006/main" xmlns:r="http://schemas.openxmlformats.org/officeDocument/2006/relationships" xmlns:p="http://schemas.openxmlformats.org/presentationml/2006/main">
+  <p:cSld>
+    <p:spTree>
+      <p:nvGrpSpPr>
+        <p:cNvPr id="1" name=""/>
+        <p:cNvGrpSpPr/>
+        <p:nvPr/>
+      </p:nvGrpSpPr>
+      <p:grpSpPr>
+        <a:xfrm>
+          <a:off x="0" y="0"/>
+          <a:ext cx="0" cy="0"/>
+          <a:chOff x="0" y="0"/>
+          <a:chExt cx="0" cy="0"/>
+        </a:xfrm>
+      </p:grpSpPr>
+    </p:spTree>
+    <p:extLst>
+      <p:ext uri="{BB962C8B-B14F-4D97-AF65-F5344CB8AC3E}">
+        <p14:creationId xmlns:p14="http://schemas.microsoft.com/office/powerpoint/2010/main" val="3574374848"/>
+      </p:ext>
+    </p:extLst>
+  </p:cSld>
+  <p:clrMapOvr>
+    <a:masterClrMapping/>
+  </p:clrMapOvr>
+</p:sld>
+</file>
+
+<file path=ppt/slides/slide16.xml><?xml version="1.0" encoding="utf-8"?>
+<p:sld xmlns:a="http://schemas.openxmlformats.org/drawingml/2006/main" xmlns:r="http://schemas.openxmlformats.org/officeDocument/2006/relationships" xmlns:p="http://schemas.openxmlformats.org/presentationml/2006/main">
+  <p:cSld>
+    <p:spTree>
+      <p:nvGrpSpPr>
+        <p:cNvPr id="1" name=""/>
+        <p:cNvGrpSpPr/>
+        <p:nvPr/>
+      </p:nvGrpSpPr>
+      <p:grpSpPr>
+        <a:xfrm>
+          <a:off x="0" y="0"/>
+          <a:ext cx="0" cy="0"/>
+          <a:chOff x="0" y="0"/>
+          <a:chExt cx="0" cy="0"/>
+        </a:xfrm>
+      </p:grpSpPr>
+      <p:pic>
+        <p:nvPicPr>
+          <p:cNvPr id="3" name="Picture 2" descr="A picture containing chart&#10;&#10;Description automatically generated">
+            <a:extLst>
+              <a:ext uri="{FF2B5EF4-FFF2-40B4-BE49-F238E27FC236}">
+                <a16:creationId xmlns:a16="http://schemas.microsoft.com/office/drawing/2014/main" id="{3B721A7C-EBD5-C59A-9C40-0A8E07945B13}"/>
+              </a:ext>
+            </a:extLst>
+          </p:cNvPr>
+          <p:cNvPicPr>
+            <a:picLocks noChangeAspect="1"/>
+          </p:cNvPicPr>
+          <p:nvPr/>
+        </p:nvPicPr>
+        <p:blipFill>
+          <a:blip r:embed="rId2">
+            <a:extLst>
+              <a:ext uri="{28A0092B-C50C-407E-A947-70E740481C1C}">
+                <a14:useLocalDpi xmlns:a14="http://schemas.microsoft.com/office/drawing/2010/main" val="0"/>
+              </a:ext>
+            </a:extLst>
+          </a:blip>
+          <a:stretch>
+            <a:fillRect/>
+          </a:stretch>
+        </p:blipFill>
+        <p:spPr>
+          <a:xfrm>
+            <a:off x="0" y="396875"/>
+            <a:ext cx="12192000" cy="6064250"/>
+          </a:xfrm>
+          <a:prstGeom prst="rect">
+            <a:avLst/>
+          </a:prstGeom>
+        </p:spPr>
+      </p:pic>
+    </p:spTree>
+    <p:extLst>
+      <p:ext uri="{BB962C8B-B14F-4D97-AF65-F5344CB8AC3E}">
+        <p14:creationId xmlns:p14="http://schemas.microsoft.com/office/powerpoint/2010/main" val="133792469"/>
+      </p:ext>
+    </p:extLst>
+  </p:cSld>
+  <p:clrMapOvr>
+    <a:masterClrMapping/>
+  </p:clrMapOvr>
+</p:sld>
+</file>
+
+<file path=ppt/slides/slide17.xml><?xml version="1.0" encoding="utf-8"?>
+<p:sld xmlns:a="http://schemas.openxmlformats.org/drawingml/2006/main" xmlns:r="http://schemas.openxmlformats.org/officeDocument/2006/relationships" xmlns:p="http://schemas.openxmlformats.org/presentationml/2006/main">
+  <p:cSld>
+    <p:spTree>
+      <p:nvGrpSpPr>
+        <p:cNvPr id="1" name=""/>
+        <p:cNvGrpSpPr/>
+        <p:nvPr/>
+      </p:nvGrpSpPr>
+      <p:grpSpPr>
+        <a:xfrm>
+          <a:off x="0" y="0"/>
+          <a:ext cx="0" cy="0"/>
+          <a:chOff x="0" y="0"/>
+          <a:chExt cx="0" cy="0"/>
+        </a:xfrm>
+      </p:grpSpPr>
+      <p:pic>
+        <p:nvPicPr>
+          <p:cNvPr id="3" name="Picture 2" descr="A picture containing diagram&#10;&#10;Description automatically generated">
+            <a:extLst>
+              <a:ext uri="{FF2B5EF4-FFF2-40B4-BE49-F238E27FC236}">
+                <a16:creationId xmlns:a16="http://schemas.microsoft.com/office/drawing/2014/main" id="{E8BBA182-3DD4-6B31-EBE4-9063335A10A3}"/>
+              </a:ext>
+            </a:extLst>
+          </p:cNvPr>
+          <p:cNvPicPr>
+            <a:picLocks noChangeAspect="1"/>
+          </p:cNvPicPr>
+          <p:nvPr/>
+        </p:nvPicPr>
+        <p:blipFill>
+          <a:blip r:embed="rId2">
+            <a:extLst>
+              <a:ext uri="{28A0092B-C50C-407E-A947-70E740481C1C}">
+                <a14:useLocalDpi xmlns:a14="http://schemas.microsoft.com/office/drawing/2010/main" val="0"/>
+              </a:ext>
+            </a:extLst>
+          </a:blip>
+          <a:stretch>
+            <a:fillRect/>
+          </a:stretch>
+        </p:blipFill>
+        <p:spPr>
+          <a:xfrm>
+            <a:off x="0" y="396875"/>
+            <a:ext cx="12192000" cy="6064250"/>
+          </a:xfrm>
+          <a:prstGeom prst="rect">
+            <a:avLst/>
+          </a:prstGeom>
+        </p:spPr>
+      </p:pic>
+    </p:spTree>
+    <p:extLst>
+      <p:ext uri="{BB962C8B-B14F-4D97-AF65-F5344CB8AC3E}">
+        <p14:creationId xmlns:p14="http://schemas.microsoft.com/office/powerpoint/2010/main" val="2303639888"/>
+      </p:ext>
+    </p:extLst>
+  </p:cSld>
+  <p:clrMapOvr>
+    <a:masterClrMapping/>
+  </p:clrMapOvr>
 </p:sld>
 </file>
 
